--- a/MOC/Module 06 Storing Tabular data/20532C-06.pptx
+++ b/MOC/Module 06 Storing Tabular data/20532C-06.pptx
@@ -36,7 +36,7 @@
   <p:notesSz cx="6858000" cy="9144000"/>
   <p:embeddedFontLst>
     <p:embeddedFont>
-      <p:font typeface="Verdana" panose="020B0604030504040204" pitchFamily="34" charset="0"/>
+      <p:font typeface="Calibri" panose="020F0502020204030204" pitchFamily="34" charset="0"/>
       <p:regular r:id="rId26"/>
       <p:bold r:id="rId27"/>
       <p:italic r:id="rId28"/>
@@ -50,14 +50,14 @@
       <p:boldItalic r:id="rId33"/>
     </p:embeddedFont>
     <p:embeddedFont>
-      <p:font typeface="Consolas" panose="020B0609020204030204" pitchFamily="49" charset="0"/>
+      <p:font typeface="Verdana" panose="020B0604030504040204" pitchFamily="34" charset="0"/>
       <p:regular r:id="rId34"/>
       <p:bold r:id="rId35"/>
       <p:italic r:id="rId36"/>
       <p:boldItalic r:id="rId37"/>
     </p:embeddedFont>
     <p:embeddedFont>
-      <p:font typeface="Calibri" panose="020F0502020204030204" pitchFamily="34" charset="0"/>
+      <p:font typeface="Consolas" panose="020B0609020204030204" pitchFamily="49" charset="0"/>
       <p:regular r:id="rId38"/>
       <p:bold r:id="rId39"/>
       <p:italic r:id="rId40"/>
@@ -190,6 +190,10 @@
     </a:lvl9pPr>
   </p:defaultTextStyle>
 </p:presentation>
+</file>
+
+<file path=ppt/revisionInfo.xml><?xml version="1.0" encoding="utf-8"?>
+<p1510:revInfo xmlns:a="http://schemas.openxmlformats.org/drawingml/2006/main" xmlns:r="http://schemas.openxmlformats.org/officeDocument/2006/relationships" xmlns:p1510="http://schemas.microsoft.com/office/powerpoint/2015/10/main"/>
 </file>
 
 <file path=ppt/diagrams/colors1.xml><?xml version="1.0" encoding="utf-8"?>
@@ -3664,16 +3668,16 @@
     </dgm:pt>
   </dgm:ptLst>
   <dgm:cxnLst>
+    <dgm:cxn modelId="{B62C1E22-FC3D-4967-AC09-23A14330D721}" type="presOf" srcId="{3CAF4B0E-B615-4BBA-A65D-D47D5B75E563}" destId="{2C087911-9E7D-47E8-A4BA-5C2AD0E874F4}" srcOrd="0" destOrd="0" presId="urn:microsoft.com/office/officeart/2008/layout/AlternatingHexagons"/>
+    <dgm:cxn modelId="{ED8CA65F-30B4-484E-BBEA-94DE71E6B429}" type="presOf" srcId="{888FDFD8-F934-4A82-9839-DFFC9B3CD149}" destId="{D10D524D-C3D4-4FAE-A4C7-CD805C1F1893}" srcOrd="0" destOrd="0" presId="urn:microsoft.com/office/officeart/2008/layout/AlternatingHexagons"/>
+    <dgm:cxn modelId="{15D89547-5DE9-4461-B259-66825D04D95C}" srcId="{D7599BF2-D272-468A-AAD2-CBE98978245F}" destId="{D6FADA03-A35F-48E4-A970-A251EFA89F75}" srcOrd="0" destOrd="0" parTransId="{9754ABB4-0B7D-4369-8413-C26803DB4BD5}" sibTransId="{888FDFD8-F934-4A82-9839-DFFC9B3CD149}"/>
+    <dgm:cxn modelId="{F474CE6D-9119-4F47-93E5-AD418AAF1B20}" type="presOf" srcId="{BA8EDA46-E5D2-4D34-B444-4933D130160D}" destId="{624B593B-3CED-4376-90A1-42E30507C6C6}" srcOrd="0" destOrd="0" presId="urn:microsoft.com/office/officeart/2008/layout/AlternatingHexagons"/>
+    <dgm:cxn modelId="{DB9156B3-A6A7-4354-80EB-81365756FEB8}" srcId="{D7599BF2-D272-468A-AAD2-CBE98978245F}" destId="{E38D465C-D838-44B6-B407-61DB31BF378C}" srcOrd="2" destOrd="0" parTransId="{9500FC73-3A38-4548-8027-68E907225E4F}" sibTransId="{A94996AC-B13A-407F-82D7-605B330CFB5F}"/>
+    <dgm:cxn modelId="{299083B9-3021-41C8-9C05-4EAAA4D89C36}" srcId="{D7599BF2-D272-468A-AAD2-CBE98978245F}" destId="{BA8EDA46-E5D2-4D34-B444-4933D130160D}" srcOrd="1" destOrd="0" parTransId="{341D9D54-C0C8-48BE-85DF-9CD1A73D9DEC}" sibTransId="{3CAF4B0E-B615-4BBA-A65D-D47D5B75E563}"/>
+    <dgm:cxn modelId="{A0090EBB-12FE-4BFD-BDFD-F7064940C0E0}" type="presOf" srcId="{E38D465C-D838-44B6-B407-61DB31BF378C}" destId="{66EDC2EA-D9F9-4E7E-B85C-98193C03D0B1}" srcOrd="0" destOrd="0" presId="urn:microsoft.com/office/officeart/2008/layout/AlternatingHexagons"/>
+    <dgm:cxn modelId="{3C1A42D4-F81A-4515-82E6-211FA2C376EC}" type="presOf" srcId="{D7599BF2-D272-468A-AAD2-CBE98978245F}" destId="{013859A7-F492-4149-A091-5455DF9B3266}" srcOrd="0" destOrd="0" presId="urn:microsoft.com/office/officeart/2008/layout/AlternatingHexagons"/>
     <dgm:cxn modelId="{137104E4-812D-4A42-923B-0145A1635757}" type="presOf" srcId="{D6FADA03-A35F-48E4-A970-A251EFA89F75}" destId="{27255ED2-C99A-43C7-8AAA-ED06502651DD}" srcOrd="0" destOrd="0" presId="urn:microsoft.com/office/officeart/2008/layout/AlternatingHexagons"/>
-    <dgm:cxn modelId="{3C1A42D4-F81A-4515-82E6-211FA2C376EC}" type="presOf" srcId="{D7599BF2-D272-468A-AAD2-CBE98978245F}" destId="{013859A7-F492-4149-A091-5455DF9B3266}" srcOrd="0" destOrd="0" presId="urn:microsoft.com/office/officeart/2008/layout/AlternatingHexagons"/>
-    <dgm:cxn modelId="{F474CE6D-9119-4F47-93E5-AD418AAF1B20}" type="presOf" srcId="{BA8EDA46-E5D2-4D34-B444-4933D130160D}" destId="{624B593B-3CED-4376-90A1-42E30507C6C6}" srcOrd="0" destOrd="0" presId="urn:microsoft.com/office/officeart/2008/layout/AlternatingHexagons"/>
-    <dgm:cxn modelId="{ED8CA65F-30B4-484E-BBEA-94DE71E6B429}" type="presOf" srcId="{888FDFD8-F934-4A82-9839-DFFC9B3CD149}" destId="{D10D524D-C3D4-4FAE-A4C7-CD805C1F1893}" srcOrd="0" destOrd="0" presId="urn:microsoft.com/office/officeart/2008/layout/AlternatingHexagons"/>
-    <dgm:cxn modelId="{B62C1E22-FC3D-4967-AC09-23A14330D721}" type="presOf" srcId="{3CAF4B0E-B615-4BBA-A65D-D47D5B75E563}" destId="{2C087911-9E7D-47E8-A4BA-5C2AD0E874F4}" srcOrd="0" destOrd="0" presId="urn:microsoft.com/office/officeart/2008/layout/AlternatingHexagons"/>
-    <dgm:cxn modelId="{A0090EBB-12FE-4BFD-BDFD-F7064940C0E0}" type="presOf" srcId="{E38D465C-D838-44B6-B407-61DB31BF378C}" destId="{66EDC2EA-D9F9-4E7E-B85C-98193C03D0B1}" srcOrd="0" destOrd="0" presId="urn:microsoft.com/office/officeart/2008/layout/AlternatingHexagons"/>
     <dgm:cxn modelId="{98ABA5FC-493C-4C6F-A808-C4EF2E68A151}" type="presOf" srcId="{A94996AC-B13A-407F-82D7-605B330CFB5F}" destId="{79DB0582-4965-4072-8882-6DE90D1128AF}" srcOrd="0" destOrd="0" presId="urn:microsoft.com/office/officeart/2008/layout/AlternatingHexagons"/>
-    <dgm:cxn modelId="{DB9156B3-A6A7-4354-80EB-81365756FEB8}" srcId="{D7599BF2-D272-468A-AAD2-CBE98978245F}" destId="{E38D465C-D838-44B6-B407-61DB31BF378C}" srcOrd="2" destOrd="0" parTransId="{9500FC73-3A38-4548-8027-68E907225E4F}" sibTransId="{A94996AC-B13A-407F-82D7-605B330CFB5F}"/>
-    <dgm:cxn modelId="{15D89547-5DE9-4461-B259-66825D04D95C}" srcId="{D7599BF2-D272-468A-AAD2-CBE98978245F}" destId="{D6FADA03-A35F-48E4-A970-A251EFA89F75}" srcOrd="0" destOrd="0" parTransId="{9754ABB4-0B7D-4369-8413-C26803DB4BD5}" sibTransId="{888FDFD8-F934-4A82-9839-DFFC9B3CD149}"/>
-    <dgm:cxn modelId="{299083B9-3021-41C8-9C05-4EAAA4D89C36}" srcId="{D7599BF2-D272-468A-AAD2-CBE98978245F}" destId="{BA8EDA46-E5D2-4D34-B444-4933D130160D}" srcOrd="1" destOrd="0" parTransId="{341D9D54-C0C8-48BE-85DF-9CD1A73D9DEC}" sibTransId="{3CAF4B0E-B615-4BBA-A65D-D47D5B75E563}"/>
     <dgm:cxn modelId="{7D837285-968C-4046-8658-20C992D5116D}" type="presParOf" srcId="{013859A7-F492-4149-A091-5455DF9B3266}" destId="{3F8CF63B-4F32-454B-9A91-74819523FE8C}" srcOrd="0" destOrd="0" presId="urn:microsoft.com/office/officeart/2008/layout/AlternatingHexagons"/>
     <dgm:cxn modelId="{19967AA4-8193-4A82-86C3-5EDE17518C44}" type="presParOf" srcId="{3F8CF63B-4F32-454B-9A91-74819523FE8C}" destId="{27255ED2-C99A-43C7-8AAA-ED06502651DD}" srcOrd="0" destOrd="0" presId="urn:microsoft.com/office/officeart/2008/layout/AlternatingHexagons"/>
     <dgm:cxn modelId="{154B043C-1DAF-4ECE-9423-E526E1E19431}" type="presParOf" srcId="{3F8CF63B-4F32-454B-9A91-74819523FE8C}" destId="{364000B5-62D3-4E22-B4F0-5287400332EF}" srcOrd="1" destOrd="0" presId="urn:microsoft.com/office/officeart/2008/layout/AlternatingHexagons"/>
@@ -3852,7 +3856,7 @@
         <a:p>
           <a:r>
             <a:rPr lang="en-US" sz="2000" dirty="0"/>
-            <a:t>SAS tokens are available to protect stored content</a:t>
+            <a:t>Key tokens are available to protect stored content</a:t>
           </a:r>
         </a:p>
       </dgm:t>
@@ -4127,24 +4131,24 @@
     </dgm:pt>
   </dgm:ptLst>
   <dgm:cxnLst>
-    <dgm:cxn modelId="{8A14C6D8-CC71-4E84-8BF7-2C52F8C8E183}" type="presOf" srcId="{3CAEC4B3-F55C-49D4-B2FB-3C769E54D2F1}" destId="{E48A1E78-ED2C-4573-AF87-57C3D462C030}" srcOrd="0" destOrd="0" presId="urn:microsoft.com/office/officeart/2008/layout/AlternatingHexagons"/>
-    <dgm:cxn modelId="{2DE12057-F423-490B-B327-DF0281702090}" type="presOf" srcId="{FA9DD85B-72D0-4C69-9772-99D0264D6907}" destId="{27A4F718-2BA0-4F30-A690-54F47737C957}" srcOrd="0" destOrd="0" presId="urn:microsoft.com/office/officeart/2008/layout/AlternatingHexagons"/>
-    <dgm:cxn modelId="{133550EC-3787-40E8-83A1-40610CCB536E}" type="presOf" srcId="{8EAB96C8-C4F8-4FDF-BA26-B1FB14E25E76}" destId="{D24410D7-6702-4646-85BC-9B632F8D886A}" srcOrd="0" destOrd="0" presId="urn:microsoft.com/office/officeart/2008/layout/AlternatingHexagons"/>
-    <dgm:cxn modelId="{EA37798D-FE46-49FE-BDAF-85B8609BFA08}" type="presOf" srcId="{C5AB49A8-A329-48BA-B166-9B3F25D6FC22}" destId="{6E901654-9117-49B7-9D3D-B062BF05A8D1}" srcOrd="0" destOrd="0" presId="urn:microsoft.com/office/officeart/2008/layout/AlternatingHexagons"/>
-    <dgm:cxn modelId="{445CB77B-94DB-4542-8AD1-44246220A2C0}" type="presOf" srcId="{AEC5F20B-1EAB-4B15-9B99-5B86A73C057C}" destId="{E3B93919-FA8D-4D87-9069-869E36E14CC8}" srcOrd="0" destOrd="0" presId="urn:microsoft.com/office/officeart/2008/layout/AlternatingHexagons"/>
     <dgm:cxn modelId="{BBDE9F25-5F8A-45CA-BF9B-2561F1A5B3C2}" type="presOf" srcId="{3D4F3286-0C50-43C8-AB46-31DE853A0288}" destId="{AA64FE16-5D6C-46B5-94B5-91326A757700}" srcOrd="0" destOrd="0" presId="urn:microsoft.com/office/officeart/2008/layout/AlternatingHexagons"/>
-    <dgm:cxn modelId="{6C288379-F3A9-4680-B4BD-40B10D09CCEF}" srcId="{AEC5F20B-1EAB-4B15-9B99-5B86A73C057C}" destId="{6BFBDC45-C2BB-4605-9B24-B52ACB2879CC}" srcOrd="0" destOrd="0" parTransId="{C6C322EA-DDC4-46B1-B009-3EC0D34EFF99}" sibTransId="{8D5697A1-0043-489F-B325-37273602394A}"/>
-    <dgm:cxn modelId="{05E740CF-FB45-4C7F-B494-78366DDA9AFB}" type="presOf" srcId="{6BFBDC45-C2BB-4605-9B24-B52ACB2879CC}" destId="{23CF3DFE-B073-43C6-96EA-E45FD5D8253E}" srcOrd="0" destOrd="0" presId="urn:microsoft.com/office/officeart/2008/layout/AlternatingHexagons"/>
-    <dgm:cxn modelId="{0F4AB2F3-5587-4725-8638-54100C1DA7EF}" srcId="{AEC5F20B-1EAB-4B15-9B99-5B86A73C057C}" destId="{0A04E121-7FA6-4A59-BB17-87EC1C9AB154}" srcOrd="1" destOrd="0" parTransId="{F2B26575-C544-40E5-8EEF-67582037CB01}" sibTransId="{076CB14D-377B-4153-81E7-EE5E96F5D9D2}"/>
-    <dgm:cxn modelId="{345B4EBB-0AD3-4807-B023-CF371BCEE0FD}" srcId="{8EAB96C8-C4F8-4FDF-BA26-B1FB14E25E76}" destId="{3D4F3286-0C50-43C8-AB46-31DE853A0288}" srcOrd="0" destOrd="0" parTransId="{34F433C7-E36A-4905-9884-D626BD780C67}" sibTransId="{C8783A4B-8A95-4C58-BF96-AD110FD44BC8}"/>
     <dgm:cxn modelId="{BB254126-EC2D-4E52-A7B4-EAA2022782A4}" srcId="{0A04E121-7FA6-4A59-BB17-87EC1C9AB154}" destId="{FA9DD85B-72D0-4C69-9772-99D0264D6907}" srcOrd="0" destOrd="0" parTransId="{A5BDF87C-614D-4960-9F12-B470A07E9135}" sibTransId="{16BFE2DB-F218-4696-A874-EE69215DCDF4}"/>
-    <dgm:cxn modelId="{400A9FD2-0100-44D6-B201-CF81790C51BC}" type="presOf" srcId="{8D5697A1-0043-489F-B325-37273602394A}" destId="{87582E99-2452-41D9-AEF2-A106E829F550}" srcOrd="0" destOrd="0" presId="urn:microsoft.com/office/officeart/2008/layout/AlternatingHexagons"/>
-    <dgm:cxn modelId="{71A0C377-7073-4DAC-AE4B-F52E165E03D3}" srcId="{6BFBDC45-C2BB-4605-9B24-B52ACB2879CC}" destId="{F0EA7BF1-A91A-44D2-A007-166B38775AFE}" srcOrd="1" destOrd="0" parTransId="{978F2B6B-A3A9-4036-8344-FCD4D51B8665}" sibTransId="{70F5B524-4A98-41E1-A4A6-1884E2F652FF}"/>
     <dgm:cxn modelId="{AD6AC936-D9E7-4017-B178-EAF5FDE55AE2}" type="presOf" srcId="{076CB14D-377B-4153-81E7-EE5E96F5D9D2}" destId="{8562BB80-82D1-4BFC-87DA-5F8B0B90F930}" srcOrd="0" destOrd="0" presId="urn:microsoft.com/office/officeart/2008/layout/AlternatingHexagons"/>
     <dgm:cxn modelId="{E8CB6243-6E31-41BF-AEF4-E21820C43E9B}" type="presOf" srcId="{0A04E121-7FA6-4A59-BB17-87EC1C9AB154}" destId="{FF62FFEF-D566-4364-BC15-33B145473F15}" srcOrd="0" destOrd="0" presId="urn:microsoft.com/office/officeart/2008/layout/AlternatingHexagons"/>
+    <dgm:cxn modelId="{2DE12057-F423-490B-B327-DF0281702090}" type="presOf" srcId="{FA9DD85B-72D0-4C69-9772-99D0264D6907}" destId="{27A4F718-2BA0-4F30-A690-54F47737C957}" srcOrd="0" destOrd="0" presId="urn:microsoft.com/office/officeart/2008/layout/AlternatingHexagons"/>
+    <dgm:cxn modelId="{71A0C377-7073-4DAC-AE4B-F52E165E03D3}" srcId="{6BFBDC45-C2BB-4605-9B24-B52ACB2879CC}" destId="{F0EA7BF1-A91A-44D2-A007-166B38775AFE}" srcOrd="1" destOrd="0" parTransId="{978F2B6B-A3A9-4036-8344-FCD4D51B8665}" sibTransId="{70F5B524-4A98-41E1-A4A6-1884E2F652FF}"/>
+    <dgm:cxn modelId="{6C288379-F3A9-4680-B4BD-40B10D09CCEF}" srcId="{AEC5F20B-1EAB-4B15-9B99-5B86A73C057C}" destId="{6BFBDC45-C2BB-4605-9B24-B52ACB2879CC}" srcOrd="0" destOrd="0" parTransId="{C6C322EA-DDC4-46B1-B009-3EC0D34EFF99}" sibTransId="{8D5697A1-0043-489F-B325-37273602394A}"/>
+    <dgm:cxn modelId="{445CB77B-94DB-4542-8AD1-44246220A2C0}" type="presOf" srcId="{AEC5F20B-1EAB-4B15-9B99-5B86A73C057C}" destId="{E3B93919-FA8D-4D87-9069-869E36E14CC8}" srcOrd="0" destOrd="0" presId="urn:microsoft.com/office/officeart/2008/layout/AlternatingHexagons"/>
+    <dgm:cxn modelId="{EA37798D-FE46-49FE-BDAF-85B8609BFA08}" type="presOf" srcId="{C5AB49A8-A329-48BA-B166-9B3F25D6FC22}" destId="{6E901654-9117-49B7-9D3D-B062BF05A8D1}" srcOrd="0" destOrd="0" presId="urn:microsoft.com/office/officeart/2008/layout/AlternatingHexagons"/>
+    <dgm:cxn modelId="{345B4EBB-0AD3-4807-B023-CF371BCEE0FD}" srcId="{8EAB96C8-C4F8-4FDF-BA26-B1FB14E25E76}" destId="{3D4F3286-0C50-43C8-AB46-31DE853A0288}" srcOrd="0" destOrd="0" parTransId="{34F433C7-E36A-4905-9884-D626BD780C67}" sibTransId="{C8783A4B-8A95-4C58-BF96-AD110FD44BC8}"/>
+    <dgm:cxn modelId="{05E740CF-FB45-4C7F-B494-78366DDA9AFB}" type="presOf" srcId="{6BFBDC45-C2BB-4605-9B24-B52ACB2879CC}" destId="{23CF3DFE-B073-43C6-96EA-E45FD5D8253E}" srcOrd="0" destOrd="0" presId="urn:microsoft.com/office/officeart/2008/layout/AlternatingHexagons"/>
+    <dgm:cxn modelId="{4F6463CF-BFDA-43FE-A896-2B06D15579A8}" type="presOf" srcId="{F0EA7BF1-A91A-44D2-A007-166B38775AFE}" destId="{E48A1E78-ED2C-4573-AF87-57C3D462C030}" srcOrd="0" destOrd="1" presId="urn:microsoft.com/office/officeart/2008/layout/AlternatingHexagons"/>
+    <dgm:cxn modelId="{400A9FD2-0100-44D6-B201-CF81790C51BC}" type="presOf" srcId="{8D5697A1-0043-489F-B325-37273602394A}" destId="{87582E99-2452-41D9-AEF2-A106E829F550}" srcOrd="0" destOrd="0" presId="urn:microsoft.com/office/officeart/2008/layout/AlternatingHexagons"/>
+    <dgm:cxn modelId="{8A14C6D8-CC71-4E84-8BF7-2C52F8C8E183}" type="presOf" srcId="{3CAEC4B3-F55C-49D4-B2FB-3C769E54D2F1}" destId="{E48A1E78-ED2C-4573-AF87-57C3D462C030}" srcOrd="0" destOrd="0" presId="urn:microsoft.com/office/officeart/2008/layout/AlternatingHexagons"/>
+    <dgm:cxn modelId="{133550EC-3787-40E8-83A1-40610CCB536E}" type="presOf" srcId="{8EAB96C8-C4F8-4FDF-BA26-B1FB14E25E76}" destId="{D24410D7-6702-4646-85BC-9B632F8D886A}" srcOrd="0" destOrd="0" presId="urn:microsoft.com/office/officeart/2008/layout/AlternatingHexagons"/>
     <dgm:cxn modelId="{45226EEE-D98A-4981-BC39-B3B9B0EAF3B7}" srcId="{6BFBDC45-C2BB-4605-9B24-B52ACB2879CC}" destId="{3CAEC4B3-F55C-49D4-B2FB-3C769E54D2F1}" srcOrd="0" destOrd="0" parTransId="{454DA4BD-7CDC-4E22-92BA-44B1359EA2A1}" sibTransId="{0F413CEB-EEC2-4423-AA68-275166363AAB}"/>
-    <dgm:cxn modelId="{4F6463CF-BFDA-43FE-A896-2B06D15579A8}" type="presOf" srcId="{F0EA7BF1-A91A-44D2-A007-166B38775AFE}" destId="{E48A1E78-ED2C-4573-AF87-57C3D462C030}" srcOrd="0" destOrd="1" presId="urn:microsoft.com/office/officeart/2008/layout/AlternatingHexagons"/>
     <dgm:cxn modelId="{F0D034F0-2EFA-466C-864F-CCE8773138B4}" srcId="{AEC5F20B-1EAB-4B15-9B99-5B86A73C057C}" destId="{8EAB96C8-C4F8-4FDF-BA26-B1FB14E25E76}" srcOrd="2" destOrd="0" parTransId="{054287EC-3CFB-4FD8-9AF4-0C4FE1EBD121}" sibTransId="{C5AB49A8-A329-48BA-B166-9B3F25D6FC22}"/>
+    <dgm:cxn modelId="{0F4AB2F3-5587-4725-8638-54100C1DA7EF}" srcId="{AEC5F20B-1EAB-4B15-9B99-5B86A73C057C}" destId="{0A04E121-7FA6-4A59-BB17-87EC1C9AB154}" srcOrd="1" destOrd="0" parTransId="{F2B26575-C544-40E5-8EEF-67582037CB01}" sibTransId="{076CB14D-377B-4153-81E7-EE5E96F5D9D2}"/>
     <dgm:cxn modelId="{4764C46E-B2C8-4ABE-AC06-CA130DC9A0CF}" type="presParOf" srcId="{E3B93919-FA8D-4D87-9069-869E36E14CC8}" destId="{0D19C271-33DB-4A25-8C2E-F21CB6E4BEEB}" srcOrd="0" destOrd="0" presId="urn:microsoft.com/office/officeart/2008/layout/AlternatingHexagons"/>
     <dgm:cxn modelId="{57FC6F46-FEDD-48A0-A43B-7B87490289CA}" type="presParOf" srcId="{0D19C271-33DB-4A25-8C2E-F21CB6E4BEEB}" destId="{23CF3DFE-B073-43C6-96EA-E45FD5D8253E}" srcOrd="0" destOrd="0" presId="urn:microsoft.com/office/officeart/2008/layout/AlternatingHexagons"/>
     <dgm:cxn modelId="{D0820E8A-562E-43E3-A74F-983E2D58D06F}" type="presParOf" srcId="{0D19C271-33DB-4A25-8C2E-F21CB6E4BEEB}" destId="{E48A1E78-ED2C-4573-AF87-57C3D462C030}" srcOrd="1" destOrd="0" presId="urn:microsoft.com/office/officeart/2008/layout/AlternatingHexagons"/>
@@ -5322,58 +5326,58 @@
     </dgm:pt>
   </dgm:ptLst>
   <dgm:cxnLst>
+    <dgm:cxn modelId="{20933501-61EB-4429-A314-022AA70B39EE}" srcId="{9E14C534-1B08-4258-9C89-DF79E799CEFC}" destId="{7AC6FDA2-4860-426E-8056-3BF3E1B9D040}" srcOrd="0" destOrd="0" parTransId="{0E897204-E1FA-42D9-915C-CB18B33F0227}" sibTransId="{0F07C83D-3FDA-4C14-8544-7F44AA051F8B}"/>
+    <dgm:cxn modelId="{8B43AB07-73D2-46FD-AADE-A2B1F5C0CB9B}" type="presOf" srcId="{531164A4-AED8-44C9-905C-02625F4F6AED}" destId="{1171E8E4-F3C2-4A3C-820D-A20C50017AF2}" srcOrd="0" destOrd="0" presId="urn:microsoft.com/office/officeart/2005/8/layout/lProcess2"/>
+    <dgm:cxn modelId="{1F01300B-64CA-4487-A1BB-D9128934B95A}" type="presOf" srcId="{71AC7FBD-0AA8-4A06-A55C-577D0C832CC4}" destId="{D8D5A7E2-CD87-4F05-A928-466D7141BDBE}" srcOrd="0" destOrd="1" presId="urn:microsoft.com/office/officeart/2005/8/layout/lProcess2"/>
+    <dgm:cxn modelId="{743EC20C-11D4-4F66-A3C1-5D80E84C0307}" type="presOf" srcId="{5FFE6D8A-7FE0-402E-8795-E5B727B74E9E}" destId="{9F73178B-AFCC-40B9-B047-ADA98503F829}" srcOrd="0" destOrd="1" presId="urn:microsoft.com/office/officeart/2005/8/layout/lProcess2"/>
+    <dgm:cxn modelId="{2894EF16-E64D-48D2-B18E-6815527BCC26}" type="presOf" srcId="{D7917532-C00A-4F58-A4B2-E227870AC208}" destId="{ED1A4BFE-7C9A-47DD-A66D-341635365DAC}" srcOrd="0" destOrd="0" presId="urn:microsoft.com/office/officeart/2005/8/layout/lProcess2"/>
+    <dgm:cxn modelId="{545FC11B-B640-4F7B-B007-6270B2B70B98}" type="presOf" srcId="{45C77D0C-0F4B-4940-A50A-9E7C050F9C00}" destId="{5EF6B4CC-386C-4323-8205-B53B616AB8DF}" srcOrd="0" destOrd="0" presId="urn:microsoft.com/office/officeart/2005/8/layout/lProcess2"/>
+    <dgm:cxn modelId="{44D29E1D-EE70-4CB3-9284-E847999E6C05}" srcId="{D7917532-C00A-4F58-A4B2-E227870AC208}" destId="{A9A09503-9495-4D10-A69F-4B38CF8E2F74}" srcOrd="0" destOrd="0" parTransId="{0A2F609F-FCE5-47D2-B767-EA55C24DC485}" sibTransId="{0B7DA8E6-B3F1-464E-917E-8D8796CF400C}"/>
+    <dgm:cxn modelId="{E8AF1620-7336-4A3C-B1DA-AE16234B98A4}" type="presOf" srcId="{D70285CE-6D3B-4FD4-A081-F4A3A44E3FA6}" destId="{D8D5A7E2-CD87-4F05-A928-466D7141BDBE}" srcOrd="0" destOrd="0" presId="urn:microsoft.com/office/officeart/2005/8/layout/lProcess2"/>
+    <dgm:cxn modelId="{8F8FD025-6DF5-44FE-A43D-8C37C6964635}" srcId="{531164A4-AED8-44C9-905C-02625F4F6AED}" destId="{D47628CB-3BA1-49B7-94DA-D856445AB09D}" srcOrd="3" destOrd="0" parTransId="{A96E57CC-F334-4C7C-A47F-B6BC1A5C8622}" sibTransId="{13915F1A-9293-4762-9B0C-3EA08A4CEE60}"/>
+    <dgm:cxn modelId="{190E2929-02D7-43BC-AAFF-AF837656B9CC}" type="presOf" srcId="{6C9C9489-FB52-4110-A773-B830E4041C9E}" destId="{74D925AF-9506-40D0-BE99-C5A49DFF2073}" srcOrd="0" destOrd="0" presId="urn:microsoft.com/office/officeart/2005/8/layout/lProcess2"/>
+    <dgm:cxn modelId="{BB525432-1401-40D3-A681-B2D0436B388C}" type="presOf" srcId="{CB4063E7-988E-44B4-827A-F1CDC395D74B}" destId="{FF1F13A3-B6D8-4E89-8A3B-E025F91FC614}" srcOrd="0" destOrd="0" presId="urn:microsoft.com/office/officeart/2005/8/layout/lProcess2"/>
+    <dgm:cxn modelId="{28AC4B35-E109-4066-B6FA-0B8127AC6B2F}" type="presOf" srcId="{D47628CB-3BA1-49B7-94DA-D856445AB09D}" destId="{D30DC2EC-2FBB-4A9D-BD8C-5584024E1EF0}" srcOrd="0" destOrd="0" presId="urn:microsoft.com/office/officeart/2005/8/layout/lProcess2"/>
+    <dgm:cxn modelId="{737DC53A-B781-4B4C-A456-890509A8B9FD}" srcId="{885434F5-D626-4A9F-9B99-FDFA57CAD5B1}" destId="{2AA7B788-2B43-43E9-A57C-27BD41F0C3DE}" srcOrd="3" destOrd="0" parTransId="{44BBFDF5-3755-4343-8973-AADF091673F6}" sibTransId="{D8BE3B9B-B146-453F-927C-24877D2C148F}"/>
+    <dgm:cxn modelId="{DA11CA3B-6411-420F-A7B2-A05408C7BFFF}" srcId="{CB4063E7-988E-44B4-827A-F1CDC395D74B}" destId="{45C77D0C-0F4B-4940-A50A-9E7C050F9C00}" srcOrd="0" destOrd="0" parTransId="{E012B017-A7D7-4F5C-AEB4-E958B38CED9D}" sibTransId="{BC7BEA9D-7994-4772-92BD-F0F6659E4549}"/>
+    <dgm:cxn modelId="{FD16753C-0AAF-4CB7-8F72-B41D7BDFC740}" srcId="{06F7F3A8-AE8D-4D72-BA4E-7889B971FAF8}" destId="{5F531D2B-FC93-4BAF-A6BD-6FB2EB34C1D5}" srcOrd="0" destOrd="0" parTransId="{7F5432F7-B5FF-48CA-9F49-000FD8DC5B49}" sibTransId="{5E4035FC-5943-4413-8E09-A8580FA512E0}"/>
+    <dgm:cxn modelId="{44A0285B-137D-47CB-B64B-31BB0F28A093}" type="presOf" srcId="{E98DB4D3-C7A9-4753-912A-DE7AB2C3535F}" destId="{6B4D4B43-7B83-4378-81B3-4FC3BB8E8811}" srcOrd="0" destOrd="0" presId="urn:microsoft.com/office/officeart/2005/8/layout/lProcess2"/>
+    <dgm:cxn modelId="{CDBE1C42-4894-447B-9DD6-0AB5FAFE4924}" srcId="{885434F5-D626-4A9F-9B99-FDFA57CAD5B1}" destId="{2EDF579A-7234-4F1D-BC85-9AE6522435CA}" srcOrd="1" destOrd="0" parTransId="{A329C22F-C32D-414B-B390-6D68DD9CFB40}" sibTransId="{8E44B18D-CADA-4D0F-B05B-F5B1BC9C7176}"/>
+    <dgm:cxn modelId="{36E5B865-4302-40A9-8E18-DDABE15CA1C8}" srcId="{2EDF579A-7234-4F1D-BC85-9AE6522435CA}" destId="{2B00E2D2-B8C1-461A-8DDE-1BE74A70DB90}" srcOrd="0" destOrd="0" parTransId="{D3067153-33A0-4EA0-A1A7-656C2B1EADA4}" sibTransId="{B0715CE8-16D0-49AC-A68B-46CE1A3AE0A2}"/>
+    <dgm:cxn modelId="{CBEEB86D-9DE1-4025-B8D2-16F4DFCE1A46}" type="presOf" srcId="{531164A4-AED8-44C9-905C-02625F4F6AED}" destId="{DAC9BCB1-4BAF-4377-84B8-4FE3CF6F84C6}" srcOrd="1" destOrd="0" presId="urn:microsoft.com/office/officeart/2005/8/layout/lProcess2"/>
+    <dgm:cxn modelId="{DAB2296E-9A7F-4DD1-A953-9125ED3CDAA8}" type="presOf" srcId="{84DB54C9-433C-400C-AC91-7FE29E156BC4}" destId="{9F73178B-AFCC-40B9-B047-ADA98503F829}" srcOrd="0" destOrd="0" presId="urn:microsoft.com/office/officeart/2005/8/layout/lProcess2"/>
+    <dgm:cxn modelId="{BF2F5E6E-218C-4188-8060-92DFD7ACFB5C}" type="presOf" srcId="{813D73C1-BE1C-45CF-8FDD-B28F260BCA81}" destId="{ADEAA854-B21C-43CD-BADE-583B084AE4E6}" srcOrd="0" destOrd="0" presId="urn:microsoft.com/office/officeart/2005/8/layout/lProcess2"/>
+    <dgm:cxn modelId="{95903D51-9507-4804-80A0-1CFBC2ED404A}" type="presOf" srcId="{885434F5-D626-4A9F-9B99-FDFA57CAD5B1}" destId="{8C779964-E6D0-41C1-B988-0E34F99E07FC}" srcOrd="0" destOrd="0" presId="urn:microsoft.com/office/officeart/2005/8/layout/lProcess2"/>
+    <dgm:cxn modelId="{26194A71-AE16-4319-BECB-E41DA831DC04}" srcId="{531164A4-AED8-44C9-905C-02625F4F6AED}" destId="{E98DB4D3-C7A9-4753-912A-DE7AB2C3535F}" srcOrd="2" destOrd="0" parTransId="{23BE6E64-528D-47E7-8258-9F336BB3D4D0}" sibTransId="{DCE8DC4A-7CD3-4FAD-BD0A-7C0C607DCA68}"/>
+    <dgm:cxn modelId="{799D607A-7C22-47FC-8792-894AE975C967}" srcId="{CB4063E7-988E-44B4-827A-F1CDC395D74B}" destId="{885434F5-D626-4A9F-9B99-FDFA57CAD5B1}" srcOrd="1" destOrd="0" parTransId="{CF4A9799-9BEE-4C08-86F8-543010A3E963}" sibTransId="{242953A4-0B89-45F7-A80B-96A4869A5DC1}"/>
+    <dgm:cxn modelId="{93A84E7B-2A99-4696-90F5-029DCB3D92B5}" type="presOf" srcId="{885434F5-D626-4A9F-9B99-FDFA57CAD5B1}" destId="{5B5813E3-26DF-4C77-AFA5-C97BEA524B70}" srcOrd="1" destOrd="0" presId="urn:microsoft.com/office/officeart/2005/8/layout/lProcess2"/>
+    <dgm:cxn modelId="{CCA54580-1592-4BDC-8E8A-2E7099DE50D0}" type="presOf" srcId="{BBBD7BE4-1A7B-4F0B-BC5F-C33D10DCC611}" destId="{74D925AF-9506-40D0-BE99-C5A49DFF2073}" srcOrd="0" destOrd="1" presId="urn:microsoft.com/office/officeart/2005/8/layout/lProcess2"/>
     <dgm:cxn modelId="{978D6E83-856E-4229-A8A2-539D6C3AB20B}" type="presOf" srcId="{06F7F3A8-AE8D-4D72-BA4E-7889B971FAF8}" destId="{F94D5F44-DC92-4024-BBEC-EB165891C7DF}" srcOrd="0" destOrd="0" presId="urn:microsoft.com/office/officeart/2005/8/layout/lProcess2"/>
+    <dgm:cxn modelId="{F5F50989-7E18-4762-AC6D-63A85C344C7E}" srcId="{45C77D0C-0F4B-4940-A50A-9E7C050F9C00}" destId="{D70285CE-6D3B-4FD4-A081-F4A3A44E3FA6}" srcOrd="1" destOrd="0" parTransId="{60C168D6-9457-4AF2-98E3-FF9789B23E5E}" sibTransId="{A3673FAF-7AF4-4FA3-9725-AA9009EC079C}"/>
+    <dgm:cxn modelId="{C09ED089-C731-4E89-8259-C2A2DC5B4599}" type="presOf" srcId="{45C77D0C-0F4B-4940-A50A-9E7C050F9C00}" destId="{2F9F9DF4-38B9-45F9-A475-351A7578B32D}" srcOrd="1" destOrd="0" presId="urn:microsoft.com/office/officeart/2005/8/layout/lProcess2"/>
+    <dgm:cxn modelId="{C12F1990-BCCD-4773-BDAA-DBDDDACE6EDA}" type="presOf" srcId="{A9A09503-9495-4D10-A69F-4B38CF8E2F74}" destId="{ED1A4BFE-7C9A-47DD-A66D-341635365DAC}" srcOrd="0" destOrd="1" presId="urn:microsoft.com/office/officeart/2005/8/layout/lProcess2"/>
+    <dgm:cxn modelId="{1CF93290-98AA-4CCB-AECD-5CCCA2FB872C}" srcId="{84DB54C9-433C-400C-AC91-7FE29E156BC4}" destId="{5FFE6D8A-7FE0-402E-8795-E5B727B74E9E}" srcOrd="0" destOrd="0" parTransId="{88D9F83F-C2D0-4815-ABE4-4055026974ED}" sibTransId="{0E8DEF8B-A135-47BC-B587-E70566654C66}"/>
+    <dgm:cxn modelId="{03062991-8197-4D1D-A2C2-460EB0622832}" type="presOf" srcId="{2AA7B788-2B43-43E9-A57C-27BD41F0C3DE}" destId="{ED1869AF-19C9-43E3-8012-9C95CC3A20B1}" srcOrd="0" destOrd="0" presId="urn:microsoft.com/office/officeart/2005/8/layout/lProcess2"/>
+    <dgm:cxn modelId="{45187791-6438-4AFB-AC27-6B087347858E}" srcId="{45C77D0C-0F4B-4940-A50A-9E7C050F9C00}" destId="{813D73C1-BE1C-45CF-8FDD-B28F260BCA81}" srcOrd="2" destOrd="0" parTransId="{25E96DF8-6C35-4881-A6B8-615D1B62396F}" sibTransId="{16575210-52C2-498B-94E3-F43295108654}"/>
+    <dgm:cxn modelId="{917F6292-3E8F-40F8-A6DF-04637488D729}" srcId="{D70285CE-6D3B-4FD4-A081-F4A3A44E3FA6}" destId="{71AC7FBD-0AA8-4A06-A55C-577D0C832CC4}" srcOrd="0" destOrd="0" parTransId="{82E335A1-0BB7-4884-BF97-32D0E7BBF942}" sibTransId="{B3F46E2F-FBCA-49E0-9774-1A2110B1B77F}"/>
+    <dgm:cxn modelId="{9A55EA93-777C-4E62-9C63-54B0FF48D4CA}" srcId="{885434F5-D626-4A9F-9B99-FDFA57CAD5B1}" destId="{D7917532-C00A-4F58-A4B2-E227870AC208}" srcOrd="2" destOrd="0" parTransId="{CF2704B6-7364-4815-B5FA-10D758469830}" sibTransId="{36C768AE-27EE-448E-8019-A3E6F149CCA9}"/>
+    <dgm:cxn modelId="{B2F89EA9-61F1-4A9F-9E38-50F06130F2A7}" type="presOf" srcId="{5F531D2B-FC93-4BAF-A6BD-6FB2EB34C1D5}" destId="{F94D5F44-DC92-4024-BBEC-EB165891C7DF}" srcOrd="0" destOrd="1" presId="urn:microsoft.com/office/officeart/2005/8/layout/lProcess2"/>
+    <dgm:cxn modelId="{834765AE-0748-44AF-9390-A4197BDE998D}" srcId="{885434F5-D626-4A9F-9B99-FDFA57CAD5B1}" destId="{84DB54C9-433C-400C-AC91-7FE29E156BC4}" srcOrd="0" destOrd="0" parTransId="{E9F29EE0-9C17-4D9E-8969-8487847BD812}" sibTransId="{97E205CA-7260-4545-9114-B31560722895}"/>
+    <dgm:cxn modelId="{054BC1B2-C493-49C2-8B2D-AAF0C6D2CBCA}" srcId="{45C77D0C-0F4B-4940-A50A-9E7C050F9C00}" destId="{6C9C9489-FB52-4110-A773-B830E4041C9E}" srcOrd="3" destOrd="0" parTransId="{DB58229B-41A5-4979-AA9F-98F5EA1FE57A}" sibTransId="{1349FEFF-3C91-49F2-A942-8D24179653E9}"/>
+    <dgm:cxn modelId="{EE672FB8-07FC-4873-A1F9-51FD9720108E}" type="presOf" srcId="{D8DFA9E4-102D-4601-8071-E420AA742663}" destId="{EE36DD52-161A-4F96-AA0E-68D0A2DEEA5A}" srcOrd="0" destOrd="1" presId="urn:microsoft.com/office/officeart/2005/8/layout/lProcess2"/>
     <dgm:cxn modelId="{B690B1B9-6D08-4BC4-AD1B-C708AE99A7FB}" type="presOf" srcId="{9E14C534-1B08-4258-9C89-DF79E799CEFC}" destId="{F70133FE-0DFC-4112-8CC0-342D2218D0EE}" srcOrd="0" destOrd="0" presId="urn:microsoft.com/office/officeart/2005/8/layout/lProcess2"/>
+    <dgm:cxn modelId="{4A50B5B9-BE95-482E-8BA8-03B45A57144C}" type="presOf" srcId="{2EDF579A-7234-4F1D-BC85-9AE6522435CA}" destId="{8868625F-BD31-419B-89C5-A87E1766744A}" srcOrd="0" destOrd="0" presId="urn:microsoft.com/office/officeart/2005/8/layout/lProcess2"/>
+    <dgm:cxn modelId="{247C0ABE-B1B9-40C1-B7A3-4B373879B481}" srcId="{813D73C1-BE1C-45CF-8FDD-B28F260BCA81}" destId="{03A57112-C66A-4846-8E0E-1361D99C26F1}" srcOrd="0" destOrd="0" parTransId="{A5F8F2ED-36CA-40C5-85B8-1BB3B6A58929}" sibTransId="{D2D1C5EB-E2D5-4D53-B845-F0006BC74AC0}"/>
+    <dgm:cxn modelId="{B14798BF-B458-40BD-9F6A-184A3020CF41}" type="presOf" srcId="{7AC6FDA2-4860-426E-8056-3BF3E1B9D040}" destId="{F70133FE-0DFC-4112-8CC0-342D2218D0EE}" srcOrd="0" destOrd="1" presId="urn:microsoft.com/office/officeart/2005/8/layout/lProcess2"/>
+    <dgm:cxn modelId="{A19A91C3-8A5A-49DB-B9A6-2D4F8AD17DE4}" srcId="{1825FC96-59A4-451E-B2C3-63D6A182B2C1}" destId="{D8DFA9E4-102D-4601-8071-E420AA742663}" srcOrd="0" destOrd="0" parTransId="{106C69AA-B416-40BB-99F1-5070ACBDF51C}" sibTransId="{CF43BB57-F9FC-4997-B277-D3E7062204AF}"/>
+    <dgm:cxn modelId="{F27960CB-2EEE-412B-A9F9-F9AD530136DA}" srcId="{CB4063E7-988E-44B4-827A-F1CDC395D74B}" destId="{531164A4-AED8-44C9-905C-02625F4F6AED}" srcOrd="2" destOrd="0" parTransId="{659E5EF2-5525-4581-A84C-A2A962439AA9}" sibTransId="{68C0878F-2D16-42CA-9771-267C4C818D49}"/>
+    <dgm:cxn modelId="{DAE0BDCC-2A9C-48FA-9A51-92AD68989C96}" type="presOf" srcId="{2B00E2D2-B8C1-461A-8DDE-1BE74A70DB90}" destId="{8868625F-BD31-419B-89C5-A87E1766744A}" srcOrd="0" destOrd="1" presId="urn:microsoft.com/office/officeart/2005/8/layout/lProcess2"/>
+    <dgm:cxn modelId="{3465A3D2-2320-4854-9948-7E9A0E3CFB10}" srcId="{45C77D0C-0F4B-4940-A50A-9E7C050F9C00}" destId="{1825FC96-59A4-451E-B2C3-63D6A182B2C1}" srcOrd="0" destOrd="0" parTransId="{7B1826C1-DFC7-400E-A4E4-278D9BA1BC65}" sibTransId="{DDB9A668-2430-4DBE-A4DA-265B60BB1966}"/>
     <dgm:cxn modelId="{BFDB4AD8-261C-4C55-AD15-673E812D483D}" srcId="{531164A4-AED8-44C9-905C-02625F4F6AED}" destId="{9E14C534-1B08-4258-9C89-DF79E799CEFC}" srcOrd="1" destOrd="0" parTransId="{9BA5CE44-32FF-43D9-9422-3BC733E20FE8}" sibTransId="{C6413520-60C0-4BF3-B38A-C28BB47C0374}"/>
-    <dgm:cxn modelId="{4A50B5B9-BE95-482E-8BA8-03B45A57144C}" type="presOf" srcId="{2EDF579A-7234-4F1D-BC85-9AE6522435CA}" destId="{8868625F-BD31-419B-89C5-A87E1766744A}" srcOrd="0" destOrd="0" presId="urn:microsoft.com/office/officeart/2005/8/layout/lProcess2"/>
-    <dgm:cxn modelId="{743EC20C-11D4-4F66-A3C1-5D80E84C0307}" type="presOf" srcId="{5FFE6D8A-7FE0-402E-8795-E5B727B74E9E}" destId="{9F73178B-AFCC-40B9-B047-ADA98503F829}" srcOrd="0" destOrd="1" presId="urn:microsoft.com/office/officeart/2005/8/layout/lProcess2"/>
-    <dgm:cxn modelId="{EE672FB8-07FC-4873-A1F9-51FD9720108E}" type="presOf" srcId="{D8DFA9E4-102D-4601-8071-E420AA742663}" destId="{EE36DD52-161A-4F96-AA0E-68D0A2DEEA5A}" srcOrd="0" destOrd="1" presId="urn:microsoft.com/office/officeart/2005/8/layout/lProcess2"/>
-    <dgm:cxn modelId="{45187791-6438-4AFB-AC27-6B087347858E}" srcId="{45C77D0C-0F4B-4940-A50A-9E7C050F9C00}" destId="{813D73C1-BE1C-45CF-8FDD-B28F260BCA81}" srcOrd="2" destOrd="0" parTransId="{25E96DF8-6C35-4881-A6B8-615D1B62396F}" sibTransId="{16575210-52C2-498B-94E3-F43295108654}"/>
+    <dgm:cxn modelId="{2C21BEDC-890F-4516-AD76-6A10B09EA296}" type="presOf" srcId="{03A57112-C66A-4846-8E0E-1361D99C26F1}" destId="{ADEAA854-B21C-43CD-BADE-583B084AE4E6}" srcOrd="0" destOrd="1" presId="urn:microsoft.com/office/officeart/2005/8/layout/lProcess2"/>
+    <dgm:cxn modelId="{B888DADE-AE99-4F9D-B42C-FBA7505744FE}" srcId="{531164A4-AED8-44C9-905C-02625F4F6AED}" destId="{06F7F3A8-AE8D-4D72-BA4E-7889B971FAF8}" srcOrd="0" destOrd="0" parTransId="{CD43BF69-38BF-4D05-BEB5-7231769C8228}" sibTransId="{3429DCA0-C2C9-4D72-8DA8-DE0D41C6B140}"/>
     <dgm:cxn modelId="{175FBBE1-E522-433C-85AA-DEDDA592EAFD}" type="presOf" srcId="{1825FC96-59A4-451E-B2C3-63D6A182B2C1}" destId="{EE36DD52-161A-4F96-AA0E-68D0A2DEEA5A}" srcOrd="0" destOrd="0" presId="urn:microsoft.com/office/officeart/2005/8/layout/lProcess2"/>
-    <dgm:cxn modelId="{917F6292-3E8F-40F8-A6DF-04637488D729}" srcId="{D70285CE-6D3B-4FD4-A081-F4A3A44E3FA6}" destId="{71AC7FBD-0AA8-4A06-A55C-577D0C832CC4}" srcOrd="0" destOrd="0" parTransId="{82E335A1-0BB7-4884-BF97-32D0E7BBF942}" sibTransId="{B3F46E2F-FBCA-49E0-9774-1A2110B1B77F}"/>
-    <dgm:cxn modelId="{1F01300B-64CA-4487-A1BB-D9128934B95A}" type="presOf" srcId="{71AC7FBD-0AA8-4A06-A55C-577D0C832CC4}" destId="{D8D5A7E2-CD87-4F05-A928-466D7141BDBE}" srcOrd="0" destOrd="1" presId="urn:microsoft.com/office/officeart/2005/8/layout/lProcess2"/>
-    <dgm:cxn modelId="{BB525432-1401-40D3-A681-B2D0436B388C}" type="presOf" srcId="{CB4063E7-988E-44B4-827A-F1CDC395D74B}" destId="{FF1F13A3-B6D8-4E89-8A3B-E025F91FC614}" srcOrd="0" destOrd="0" presId="urn:microsoft.com/office/officeart/2005/8/layout/lProcess2"/>
-    <dgm:cxn modelId="{FD16753C-0AAF-4CB7-8F72-B41D7BDFC740}" srcId="{06F7F3A8-AE8D-4D72-BA4E-7889B971FAF8}" destId="{5F531D2B-FC93-4BAF-A6BD-6FB2EB34C1D5}" srcOrd="0" destOrd="0" parTransId="{7F5432F7-B5FF-48CA-9F49-000FD8DC5B49}" sibTransId="{5E4035FC-5943-4413-8E09-A8580FA512E0}"/>
-    <dgm:cxn modelId="{CDBE1C42-4894-447B-9DD6-0AB5FAFE4924}" srcId="{885434F5-D626-4A9F-9B99-FDFA57CAD5B1}" destId="{2EDF579A-7234-4F1D-BC85-9AE6522435CA}" srcOrd="1" destOrd="0" parTransId="{A329C22F-C32D-414B-B390-6D68DD9CFB40}" sibTransId="{8E44B18D-CADA-4D0F-B05B-F5B1BC9C7176}"/>
-    <dgm:cxn modelId="{44A0285B-137D-47CB-B64B-31BB0F28A093}" type="presOf" srcId="{E98DB4D3-C7A9-4753-912A-DE7AB2C3535F}" destId="{6B4D4B43-7B83-4378-81B3-4FC3BB8E8811}" srcOrd="0" destOrd="0" presId="urn:microsoft.com/office/officeart/2005/8/layout/lProcess2"/>
-    <dgm:cxn modelId="{DAB2296E-9A7F-4DD1-A953-9125ED3CDAA8}" type="presOf" srcId="{84DB54C9-433C-400C-AC91-7FE29E156BC4}" destId="{9F73178B-AFCC-40B9-B047-ADA98503F829}" srcOrd="0" destOrd="0" presId="urn:microsoft.com/office/officeart/2005/8/layout/lProcess2"/>
-    <dgm:cxn modelId="{8F8FD025-6DF5-44FE-A43D-8C37C6964635}" srcId="{531164A4-AED8-44C9-905C-02625F4F6AED}" destId="{D47628CB-3BA1-49B7-94DA-D856445AB09D}" srcOrd="3" destOrd="0" parTransId="{A96E57CC-F334-4C7C-A47F-B6BC1A5C8622}" sibTransId="{13915F1A-9293-4762-9B0C-3EA08A4CEE60}"/>
-    <dgm:cxn modelId="{BF2F5E6E-218C-4188-8060-92DFD7ACFB5C}" type="presOf" srcId="{813D73C1-BE1C-45CF-8FDD-B28F260BCA81}" destId="{ADEAA854-B21C-43CD-BADE-583B084AE4E6}" srcOrd="0" destOrd="0" presId="urn:microsoft.com/office/officeart/2005/8/layout/lProcess2"/>
-    <dgm:cxn modelId="{44D29E1D-EE70-4CB3-9284-E847999E6C05}" srcId="{D7917532-C00A-4F58-A4B2-E227870AC208}" destId="{A9A09503-9495-4D10-A69F-4B38CF8E2F74}" srcOrd="0" destOrd="0" parTransId="{0A2F609F-FCE5-47D2-B767-EA55C24DC485}" sibTransId="{0B7DA8E6-B3F1-464E-917E-8D8796CF400C}"/>
-    <dgm:cxn modelId="{B2F89EA9-61F1-4A9F-9E38-50F06130F2A7}" type="presOf" srcId="{5F531D2B-FC93-4BAF-A6BD-6FB2EB34C1D5}" destId="{F94D5F44-DC92-4024-BBEC-EB165891C7DF}" srcOrd="0" destOrd="1" presId="urn:microsoft.com/office/officeart/2005/8/layout/lProcess2"/>
-    <dgm:cxn modelId="{CCA54580-1592-4BDC-8E8A-2E7099DE50D0}" type="presOf" srcId="{BBBD7BE4-1A7B-4F0B-BC5F-C33D10DCC611}" destId="{74D925AF-9506-40D0-BE99-C5A49DFF2073}" srcOrd="0" destOrd="1" presId="urn:microsoft.com/office/officeart/2005/8/layout/lProcess2"/>
-    <dgm:cxn modelId="{C12F1990-BCCD-4773-BDAA-DBDDDACE6EDA}" type="presOf" srcId="{A9A09503-9495-4D10-A69F-4B38CF8E2F74}" destId="{ED1A4BFE-7C9A-47DD-A66D-341635365DAC}" srcOrd="0" destOrd="1" presId="urn:microsoft.com/office/officeart/2005/8/layout/lProcess2"/>
-    <dgm:cxn modelId="{E8AF1620-7336-4A3C-B1DA-AE16234B98A4}" type="presOf" srcId="{D70285CE-6D3B-4FD4-A081-F4A3A44E3FA6}" destId="{D8D5A7E2-CD87-4F05-A928-466D7141BDBE}" srcOrd="0" destOrd="0" presId="urn:microsoft.com/office/officeart/2005/8/layout/lProcess2"/>
-    <dgm:cxn modelId="{CBEEB86D-9DE1-4025-B8D2-16F4DFCE1A46}" type="presOf" srcId="{531164A4-AED8-44C9-905C-02625F4F6AED}" destId="{DAC9BCB1-4BAF-4377-84B8-4FE3CF6F84C6}" srcOrd="1" destOrd="0" presId="urn:microsoft.com/office/officeart/2005/8/layout/lProcess2"/>
-    <dgm:cxn modelId="{2894EF16-E64D-48D2-B18E-6815527BCC26}" type="presOf" srcId="{D7917532-C00A-4F58-A4B2-E227870AC208}" destId="{ED1A4BFE-7C9A-47DD-A66D-341635365DAC}" srcOrd="0" destOrd="0" presId="urn:microsoft.com/office/officeart/2005/8/layout/lProcess2"/>
-    <dgm:cxn modelId="{B888DADE-AE99-4F9D-B42C-FBA7505744FE}" srcId="{531164A4-AED8-44C9-905C-02625F4F6AED}" destId="{06F7F3A8-AE8D-4D72-BA4E-7889B971FAF8}" srcOrd="0" destOrd="0" parTransId="{CD43BF69-38BF-4D05-BEB5-7231769C8228}" sibTransId="{3429DCA0-C2C9-4D72-8DA8-DE0D41C6B140}"/>
-    <dgm:cxn modelId="{3465A3D2-2320-4854-9948-7E9A0E3CFB10}" srcId="{45C77D0C-0F4B-4940-A50A-9E7C050F9C00}" destId="{1825FC96-59A4-451E-B2C3-63D6A182B2C1}" srcOrd="0" destOrd="0" parTransId="{7B1826C1-DFC7-400E-A4E4-278D9BA1BC65}" sibTransId="{DDB9A668-2430-4DBE-A4DA-265B60BB1966}"/>
-    <dgm:cxn modelId="{20933501-61EB-4429-A314-022AA70B39EE}" srcId="{9E14C534-1B08-4258-9C89-DF79E799CEFC}" destId="{7AC6FDA2-4860-426E-8056-3BF3E1B9D040}" srcOrd="0" destOrd="0" parTransId="{0E897204-E1FA-42D9-915C-CB18B33F0227}" sibTransId="{0F07C83D-3FDA-4C14-8544-7F44AA051F8B}"/>
-    <dgm:cxn modelId="{1CF93290-98AA-4CCB-AECD-5CCCA2FB872C}" srcId="{84DB54C9-433C-400C-AC91-7FE29E156BC4}" destId="{5FFE6D8A-7FE0-402E-8795-E5B727B74E9E}" srcOrd="0" destOrd="0" parTransId="{88D9F83F-C2D0-4815-ABE4-4055026974ED}" sibTransId="{0E8DEF8B-A135-47BC-B587-E70566654C66}"/>
-    <dgm:cxn modelId="{190E2929-02D7-43BC-AAFF-AF837656B9CC}" type="presOf" srcId="{6C9C9489-FB52-4110-A773-B830E4041C9E}" destId="{74D925AF-9506-40D0-BE99-C5A49DFF2073}" srcOrd="0" destOrd="0" presId="urn:microsoft.com/office/officeart/2005/8/layout/lProcess2"/>
-    <dgm:cxn modelId="{03062991-8197-4D1D-A2C2-460EB0622832}" type="presOf" srcId="{2AA7B788-2B43-43E9-A57C-27BD41F0C3DE}" destId="{ED1869AF-19C9-43E3-8012-9C95CC3A20B1}" srcOrd="0" destOrd="0" presId="urn:microsoft.com/office/officeart/2005/8/layout/lProcess2"/>
-    <dgm:cxn modelId="{DAE0BDCC-2A9C-48FA-9A51-92AD68989C96}" type="presOf" srcId="{2B00E2D2-B8C1-461A-8DDE-1BE74A70DB90}" destId="{8868625F-BD31-419B-89C5-A87E1766744A}" srcOrd="0" destOrd="1" presId="urn:microsoft.com/office/officeart/2005/8/layout/lProcess2"/>
-    <dgm:cxn modelId="{F5F50989-7E18-4762-AC6D-63A85C344C7E}" srcId="{45C77D0C-0F4B-4940-A50A-9E7C050F9C00}" destId="{D70285CE-6D3B-4FD4-A081-F4A3A44E3FA6}" srcOrd="1" destOrd="0" parTransId="{60C168D6-9457-4AF2-98E3-FF9789B23E5E}" sibTransId="{A3673FAF-7AF4-4FA3-9725-AA9009EC079C}"/>
     <dgm:cxn modelId="{DC0AC2E7-FEFA-4AFA-97D0-34857C1252C3}" srcId="{6C9C9489-FB52-4110-A773-B830E4041C9E}" destId="{BBBD7BE4-1A7B-4F0B-BC5F-C33D10DCC611}" srcOrd="0" destOrd="0" parTransId="{8C50A69A-2615-4DA8-A2C5-2BE01AAA26C4}" sibTransId="{62589BB1-BFA2-44E4-AE7D-0179C7F0FB00}"/>
-    <dgm:cxn modelId="{834765AE-0748-44AF-9390-A4197BDE998D}" srcId="{885434F5-D626-4A9F-9B99-FDFA57CAD5B1}" destId="{84DB54C9-433C-400C-AC91-7FE29E156BC4}" srcOrd="0" destOrd="0" parTransId="{E9F29EE0-9C17-4D9E-8969-8487847BD812}" sibTransId="{97E205CA-7260-4545-9114-B31560722895}"/>
-    <dgm:cxn modelId="{C09ED089-C731-4E89-8259-C2A2DC5B4599}" type="presOf" srcId="{45C77D0C-0F4B-4940-A50A-9E7C050F9C00}" destId="{2F9F9DF4-38B9-45F9-A475-351A7578B32D}" srcOrd="1" destOrd="0" presId="urn:microsoft.com/office/officeart/2005/8/layout/lProcess2"/>
-    <dgm:cxn modelId="{36E5B865-4302-40A9-8E18-DDABE15CA1C8}" srcId="{2EDF579A-7234-4F1D-BC85-9AE6522435CA}" destId="{2B00E2D2-B8C1-461A-8DDE-1BE74A70DB90}" srcOrd="0" destOrd="0" parTransId="{D3067153-33A0-4EA0-A1A7-656C2B1EADA4}" sibTransId="{B0715CE8-16D0-49AC-A68B-46CE1A3AE0A2}"/>
-    <dgm:cxn modelId="{545FC11B-B640-4F7B-B007-6270B2B70B98}" type="presOf" srcId="{45C77D0C-0F4B-4940-A50A-9E7C050F9C00}" destId="{5EF6B4CC-386C-4323-8205-B53B616AB8DF}" srcOrd="0" destOrd="0" presId="urn:microsoft.com/office/officeart/2005/8/layout/lProcess2"/>
-    <dgm:cxn modelId="{B14798BF-B458-40BD-9F6A-184A3020CF41}" type="presOf" srcId="{7AC6FDA2-4860-426E-8056-3BF3E1B9D040}" destId="{F70133FE-0DFC-4112-8CC0-342D2218D0EE}" srcOrd="0" destOrd="1" presId="urn:microsoft.com/office/officeart/2005/8/layout/lProcess2"/>
-    <dgm:cxn modelId="{DA11CA3B-6411-420F-A7B2-A05408C7BFFF}" srcId="{CB4063E7-988E-44B4-827A-F1CDC395D74B}" destId="{45C77D0C-0F4B-4940-A50A-9E7C050F9C00}" srcOrd="0" destOrd="0" parTransId="{E012B017-A7D7-4F5C-AEB4-E958B38CED9D}" sibTransId="{BC7BEA9D-7994-4772-92BD-F0F6659E4549}"/>
-    <dgm:cxn modelId="{247C0ABE-B1B9-40C1-B7A3-4B373879B481}" srcId="{813D73C1-BE1C-45CF-8FDD-B28F260BCA81}" destId="{03A57112-C66A-4846-8E0E-1361D99C26F1}" srcOrd="0" destOrd="0" parTransId="{A5F8F2ED-36CA-40C5-85B8-1BB3B6A58929}" sibTransId="{D2D1C5EB-E2D5-4D53-B845-F0006BC74AC0}"/>
-    <dgm:cxn modelId="{2C21BEDC-890F-4516-AD76-6A10B09EA296}" type="presOf" srcId="{03A57112-C66A-4846-8E0E-1361D99C26F1}" destId="{ADEAA854-B21C-43CD-BADE-583B084AE4E6}" srcOrd="0" destOrd="1" presId="urn:microsoft.com/office/officeart/2005/8/layout/lProcess2"/>
-    <dgm:cxn modelId="{A19A91C3-8A5A-49DB-B9A6-2D4F8AD17DE4}" srcId="{1825FC96-59A4-451E-B2C3-63D6A182B2C1}" destId="{D8DFA9E4-102D-4601-8071-E420AA742663}" srcOrd="0" destOrd="0" parTransId="{106C69AA-B416-40BB-99F1-5070ACBDF51C}" sibTransId="{CF43BB57-F9FC-4997-B277-D3E7062204AF}"/>
-    <dgm:cxn modelId="{93A84E7B-2A99-4696-90F5-029DCB3D92B5}" type="presOf" srcId="{885434F5-D626-4A9F-9B99-FDFA57CAD5B1}" destId="{5B5813E3-26DF-4C77-AFA5-C97BEA524B70}" srcOrd="1" destOrd="0" presId="urn:microsoft.com/office/officeart/2005/8/layout/lProcess2"/>
-    <dgm:cxn modelId="{9A55EA93-777C-4E62-9C63-54B0FF48D4CA}" srcId="{885434F5-D626-4A9F-9B99-FDFA57CAD5B1}" destId="{D7917532-C00A-4F58-A4B2-E227870AC208}" srcOrd="2" destOrd="0" parTransId="{CF2704B6-7364-4815-B5FA-10D758469830}" sibTransId="{36C768AE-27EE-448E-8019-A3E6F149CCA9}"/>
-    <dgm:cxn modelId="{799D607A-7C22-47FC-8792-894AE975C967}" srcId="{CB4063E7-988E-44B4-827A-F1CDC395D74B}" destId="{885434F5-D626-4A9F-9B99-FDFA57CAD5B1}" srcOrd="1" destOrd="0" parTransId="{CF4A9799-9BEE-4C08-86F8-543010A3E963}" sibTransId="{242953A4-0B89-45F7-A80B-96A4869A5DC1}"/>
-    <dgm:cxn modelId="{26194A71-AE16-4319-BECB-E41DA831DC04}" srcId="{531164A4-AED8-44C9-905C-02625F4F6AED}" destId="{E98DB4D3-C7A9-4753-912A-DE7AB2C3535F}" srcOrd="2" destOrd="0" parTransId="{23BE6E64-528D-47E7-8258-9F336BB3D4D0}" sibTransId="{DCE8DC4A-7CD3-4FAD-BD0A-7C0C607DCA68}"/>
-    <dgm:cxn modelId="{F27960CB-2EEE-412B-A9F9-F9AD530136DA}" srcId="{CB4063E7-988E-44B4-827A-F1CDC395D74B}" destId="{531164A4-AED8-44C9-905C-02625F4F6AED}" srcOrd="2" destOrd="0" parTransId="{659E5EF2-5525-4581-A84C-A2A962439AA9}" sibTransId="{68C0878F-2D16-42CA-9771-267C4C818D49}"/>
-    <dgm:cxn modelId="{8B43AB07-73D2-46FD-AADE-A2B1F5C0CB9B}" type="presOf" srcId="{531164A4-AED8-44C9-905C-02625F4F6AED}" destId="{1171E8E4-F3C2-4A3C-820D-A20C50017AF2}" srcOrd="0" destOrd="0" presId="urn:microsoft.com/office/officeart/2005/8/layout/lProcess2"/>
-    <dgm:cxn modelId="{737DC53A-B781-4B4C-A456-890509A8B9FD}" srcId="{885434F5-D626-4A9F-9B99-FDFA57CAD5B1}" destId="{2AA7B788-2B43-43E9-A57C-27BD41F0C3DE}" srcOrd="3" destOrd="0" parTransId="{44BBFDF5-3755-4343-8973-AADF091673F6}" sibTransId="{D8BE3B9B-B146-453F-927C-24877D2C148F}"/>
-    <dgm:cxn modelId="{054BC1B2-C493-49C2-8B2D-AAF0C6D2CBCA}" srcId="{45C77D0C-0F4B-4940-A50A-9E7C050F9C00}" destId="{6C9C9489-FB52-4110-A773-B830E4041C9E}" srcOrd="3" destOrd="0" parTransId="{DB58229B-41A5-4979-AA9F-98F5EA1FE57A}" sibTransId="{1349FEFF-3C91-49F2-A942-8D24179653E9}"/>
-    <dgm:cxn modelId="{95903D51-9507-4804-80A0-1CFBC2ED404A}" type="presOf" srcId="{885434F5-D626-4A9F-9B99-FDFA57CAD5B1}" destId="{8C779964-E6D0-41C1-B988-0E34F99E07FC}" srcOrd="0" destOrd="0" presId="urn:microsoft.com/office/officeart/2005/8/layout/lProcess2"/>
-    <dgm:cxn modelId="{28AC4B35-E109-4066-B6FA-0B8127AC6B2F}" type="presOf" srcId="{D47628CB-3BA1-49B7-94DA-D856445AB09D}" destId="{D30DC2EC-2FBB-4A9D-BD8C-5584024E1EF0}" srcOrd="0" destOrd="0" presId="urn:microsoft.com/office/officeart/2005/8/layout/lProcess2"/>
     <dgm:cxn modelId="{F07C4110-290F-435B-8BAA-FE69B8EFF286}" type="presParOf" srcId="{FF1F13A3-B6D8-4E89-8A3B-E025F91FC614}" destId="{822A7C42-E4BC-40CA-AB80-30F7CA32DB95}" srcOrd="0" destOrd="0" presId="urn:microsoft.com/office/officeart/2005/8/layout/lProcess2"/>
     <dgm:cxn modelId="{62146EDA-E6D1-46F4-9EEC-D7C80C848607}" type="presParOf" srcId="{822A7C42-E4BC-40CA-AB80-30F7CA32DB95}" destId="{5EF6B4CC-386C-4323-8205-B53B616AB8DF}" srcOrd="0" destOrd="0" presId="urn:microsoft.com/office/officeart/2005/8/layout/lProcess2"/>
     <dgm:cxn modelId="{962B4AB9-F8C5-42F0-956D-434ECC2A3029}" type="presParOf" srcId="{822A7C42-E4BC-40CA-AB80-30F7CA32DB95}" destId="{2F9F9DF4-38B9-45F9-A475-351A7578B32D}" srcOrd="1" destOrd="0" presId="urn:microsoft.com/office/officeart/2005/8/layout/lProcess2"/>
@@ -6016,38 +6020,38 @@
     </dgm:pt>
   </dgm:ptLst>
   <dgm:cxnLst>
+    <dgm:cxn modelId="{69FC2403-82B1-4319-823E-3DA5AF7CD8FA}" srcId="{CDD7E70A-6DA7-407B-AA18-813C290D5809}" destId="{B8EE3699-35E1-4AEE-BC7E-99967A3F09C3}" srcOrd="2" destOrd="0" parTransId="{3BB0604D-FACB-4BF4-937C-AAAD773FE577}" sibTransId="{51924D46-E0D0-4C12-823B-5A87095FF67A}"/>
+    <dgm:cxn modelId="{C4E1EA0E-5800-4D41-AA6E-28CCB7FFB432}" type="presOf" srcId="{B8EE3699-35E1-4AEE-BC7E-99967A3F09C3}" destId="{98C266E4-84A3-4C40-99F6-286A6E141E33}" srcOrd="0" destOrd="0" presId="urn:microsoft.com/office/officeart/2005/8/layout/hierarchy5"/>
+    <dgm:cxn modelId="{53252C11-257E-4F61-A47B-20B92FDE59CE}" type="presOf" srcId="{4AD80A78-FC2E-46CD-817A-7295DFA60604}" destId="{A483D88E-07D3-4013-B808-A02805EBB03B}" srcOrd="0" destOrd="0" presId="urn:microsoft.com/office/officeart/2005/8/layout/hierarchy5"/>
+    <dgm:cxn modelId="{175F851B-3BFC-407C-ABEE-F9FB638F7FA1}" type="presOf" srcId="{8C091756-76E4-4AAE-8F5E-A0AFF954B80D}" destId="{0F7C9ACE-68E8-4E6C-A268-D0C84A9E969D}" srcOrd="1" destOrd="0" presId="urn:microsoft.com/office/officeart/2005/8/layout/hierarchy5"/>
+    <dgm:cxn modelId="{E2561F1F-E9A4-4680-933B-9CB1C8D9BDC0}" type="presOf" srcId="{D0E03C20-89FB-42B7-BDC3-4BB487680967}" destId="{BF6CFA09-48A2-41B3-8CCE-2F716EFE06B8}" srcOrd="0" destOrd="0" presId="urn:microsoft.com/office/officeart/2005/8/layout/hierarchy5"/>
+    <dgm:cxn modelId="{69B5791F-2713-4F77-9EEC-8615BBB42775}" type="presOf" srcId="{1AFFFA50-D422-4F1E-B873-7CC977908399}" destId="{C6D45DC1-C3D7-4CC2-8C2A-8B8038C28396}" srcOrd="1" destOrd="0" presId="urn:microsoft.com/office/officeart/2005/8/layout/hierarchy5"/>
+    <dgm:cxn modelId="{0665D325-E0E7-4C8B-914D-7E0C666416DE}" type="presOf" srcId="{B8EE3699-35E1-4AEE-BC7E-99967A3F09C3}" destId="{A88CDCD1-FA2A-41BD-A769-EB4393BC8FEF}" srcOrd="1" destOrd="0" presId="urn:microsoft.com/office/officeart/2005/8/layout/hierarchy5"/>
     <dgm:cxn modelId="{93276A28-3367-4338-8FF2-4CFFD76D6323}" srcId="{245171A7-E500-49B2-8799-0646DDA26A8E}" destId="{19112E49-894E-4609-A0CD-4542279820C7}" srcOrd="0" destOrd="0" parTransId="{F83BC854-8D10-4C62-921F-B3B84A333EE2}" sibTransId="{EF6522F3-063E-4EAE-A244-0AC800ED2CF2}"/>
+    <dgm:cxn modelId="{5946252C-033D-485B-8E79-99D4A35DF403}" type="presOf" srcId="{7082E130-EC41-4CA1-97A0-CC5E47A455EE}" destId="{9D54B091-3721-408B-8907-31301251CF4C}" srcOrd="0" destOrd="0" presId="urn:microsoft.com/office/officeart/2005/8/layout/hierarchy5"/>
+    <dgm:cxn modelId="{4934D662-171B-4D6C-B807-98955B684A51}" srcId="{19112E49-894E-4609-A0CD-4542279820C7}" destId="{CC33ECBD-B1AF-4223-BB72-7683657C5E5D}" srcOrd="1" destOrd="0" parTransId="{16DF3786-3768-4143-A37F-A363B8549C26}" sibTransId="{C90F3095-CB34-4AFE-800E-3C4906E650F5}"/>
+    <dgm:cxn modelId="{3197D268-D7DF-44DE-B82C-57B224711EFC}" type="presOf" srcId="{19112E49-894E-4609-A0CD-4542279820C7}" destId="{624C10E7-8703-4F4E-AD43-CB1E47D2853B}" srcOrd="0" destOrd="0" presId="urn:microsoft.com/office/officeart/2005/8/layout/hierarchy5"/>
+    <dgm:cxn modelId="{D28F3049-8D77-44AD-904E-D8CAD1208AD6}" type="presOf" srcId="{245171A7-E500-49B2-8799-0646DDA26A8E}" destId="{28E96CA5-BD5D-4837-A6CD-8EDEDFAF88D2}" srcOrd="0" destOrd="0" presId="urn:microsoft.com/office/officeart/2005/8/layout/hierarchy5"/>
+    <dgm:cxn modelId="{1202DB4F-7D6D-4E08-8067-81AB408579BA}" type="presOf" srcId="{CDD7E70A-6DA7-407B-AA18-813C290D5809}" destId="{7A3612AA-892F-427A-A882-F4AC7BB77627}" srcOrd="0" destOrd="0" presId="urn:microsoft.com/office/officeart/2005/8/layout/hierarchy5"/>
     <dgm:cxn modelId="{B1CA9C50-8A99-4744-8262-06A0A33E7EB1}" type="presOf" srcId="{1AFFFA50-D422-4F1E-B873-7CC977908399}" destId="{ECCF55FE-E091-4C2E-BD8B-050FEBCD62F1}" srcOrd="0" destOrd="0" presId="urn:microsoft.com/office/officeart/2005/8/layout/hierarchy5"/>
+    <dgm:cxn modelId="{ABAB8774-3A95-4E64-9C58-420E160D4C27}" srcId="{4AD80A78-FC2E-46CD-817A-7295DFA60604}" destId="{D0E03C20-89FB-42B7-BDC3-4BB487680967}" srcOrd="0" destOrd="0" parTransId="{8C091756-76E4-4AAE-8F5E-A0AFF954B80D}" sibTransId="{40494065-901B-4142-83D1-0FD972AEEDEF}"/>
+    <dgm:cxn modelId="{C2A4257B-6A6C-4D74-9C5B-E7D9919B3A5A}" type="presOf" srcId="{16DF3786-3768-4143-A37F-A363B8549C26}" destId="{FA3D27E9-5660-4F4C-AE53-CE9BCDFF2D8B}" srcOrd="0" destOrd="0" presId="urn:microsoft.com/office/officeart/2005/8/layout/hierarchy5"/>
+    <dgm:cxn modelId="{62FD2084-313E-48A9-BDAD-EDA74E992D0A}" type="presOf" srcId="{8C091756-76E4-4AAE-8F5E-A0AFF954B80D}" destId="{804ECCA8-8A45-4750-8640-7490833E2297}" srcOrd="0" destOrd="0" presId="urn:microsoft.com/office/officeart/2005/8/layout/hierarchy5"/>
+    <dgm:cxn modelId="{2CC6B99A-7AE4-431A-9562-9F765615BDB1}" type="presOf" srcId="{C8E10074-080A-4A35-B7C2-5509A3ABFD17}" destId="{0BD275D0-7DD2-4EC4-8694-3041E16A335E}" srcOrd="0" destOrd="0" presId="urn:microsoft.com/office/officeart/2005/8/layout/hierarchy5"/>
+    <dgm:cxn modelId="{C3A0C39A-A0DE-43C9-9F99-E8FEFD7A2B97}" type="presOf" srcId="{C8E10074-080A-4A35-B7C2-5509A3ABFD17}" destId="{2F3E8333-7ABF-43DB-8D72-857F8280C4BC}" srcOrd="1" destOrd="0" presId="urn:microsoft.com/office/officeart/2005/8/layout/hierarchy5"/>
+    <dgm:cxn modelId="{23BC229C-1E38-462E-BEE2-B95C5A71DEA6}" srcId="{CDD7E70A-6DA7-407B-AA18-813C290D5809}" destId="{C8E10074-080A-4A35-B7C2-5509A3ABFD17}" srcOrd="1" destOrd="0" parTransId="{2454695E-F5CA-4C45-A35F-FFE0EF848827}" sibTransId="{4AE80A56-7B49-4711-8E5B-33BC30DD5E8A}"/>
+    <dgm:cxn modelId="{720B6FA4-E4CC-4A99-AC83-CECDB5BDB571}" type="presOf" srcId="{1B0ED283-0B55-4416-BFCA-18AA63B8C9C5}" destId="{72BADAC2-4B36-4F6A-A404-175AF7C7EA07}" srcOrd="1" destOrd="0" presId="urn:microsoft.com/office/officeart/2005/8/layout/hierarchy5"/>
+    <dgm:cxn modelId="{43AC91A8-6A79-4E87-ACB8-ECFCA90A5FC5}" srcId="{CDD7E70A-6DA7-407B-AA18-813C290D5809}" destId="{245171A7-E500-49B2-8799-0646DDA26A8E}" srcOrd="0" destOrd="0" parTransId="{880AF1DD-7B3B-4BD4-B5D2-BDD7BA52476C}" sibTransId="{6C9D58CC-97B8-42A0-9016-E7C3DD092F56}"/>
+    <dgm:cxn modelId="{797C75AB-84E7-4272-8F1F-CBD5ED3C3192}" type="presOf" srcId="{C319C72D-A04E-422F-9DD4-17AEB927DD34}" destId="{3E5B8CDF-02B1-40B9-889A-9D64385A0979}" srcOrd="1" destOrd="0" presId="urn:microsoft.com/office/officeart/2005/8/layout/hierarchy5"/>
+    <dgm:cxn modelId="{383E2FB6-3EFD-418F-A264-D75008C48EE1}" srcId="{19112E49-894E-4609-A0CD-4542279820C7}" destId="{7082E130-EC41-4CA1-97A0-CC5E47A455EE}" srcOrd="0" destOrd="0" parTransId="{1AFFFA50-D422-4F1E-B873-7CC977908399}" sibTransId="{67A0AB4C-7F35-4555-B070-ABF4548A048A}"/>
+    <dgm:cxn modelId="{BD972EB9-DFF5-46AB-8FB8-D0DB65FC78C8}" type="presOf" srcId="{16DF3786-3768-4143-A37F-A363B8549C26}" destId="{919475EE-FC75-45CF-920B-1B6BC820AFB1}" srcOrd="1" destOrd="0" presId="urn:microsoft.com/office/officeart/2005/8/layout/hierarchy5"/>
     <dgm:cxn modelId="{939042C3-14C4-41CD-B862-D6B9BB43B930}" type="presOf" srcId="{1B0ED283-0B55-4416-BFCA-18AA63B8C9C5}" destId="{436E080F-DCE4-4910-9605-01DA34F40ABB}" srcOrd="0" destOrd="0" presId="urn:microsoft.com/office/officeart/2005/8/layout/hierarchy5"/>
-    <dgm:cxn modelId="{C2A4257B-6A6C-4D74-9C5B-E7D9919B3A5A}" type="presOf" srcId="{16DF3786-3768-4143-A37F-A363B8549C26}" destId="{FA3D27E9-5660-4F4C-AE53-CE9BCDFF2D8B}" srcOrd="0" destOrd="0" presId="urn:microsoft.com/office/officeart/2005/8/layout/hierarchy5"/>
-    <dgm:cxn modelId="{C4E1EA0E-5800-4D41-AA6E-28CCB7FFB432}" type="presOf" srcId="{B8EE3699-35E1-4AEE-BC7E-99967A3F09C3}" destId="{98C266E4-84A3-4C40-99F6-286A6E141E33}" srcOrd="0" destOrd="0" presId="urn:microsoft.com/office/officeart/2005/8/layout/hierarchy5"/>
-    <dgm:cxn modelId="{69FC2403-82B1-4319-823E-3DA5AF7CD8FA}" srcId="{CDD7E70A-6DA7-407B-AA18-813C290D5809}" destId="{B8EE3699-35E1-4AEE-BC7E-99967A3F09C3}" srcOrd="2" destOrd="0" parTransId="{3BB0604D-FACB-4BF4-937C-AAAD773FE577}" sibTransId="{51924D46-E0D0-4C12-823B-5A87095FF67A}"/>
-    <dgm:cxn modelId="{AB7FE6F8-B0EF-4FA1-88CC-27BB3943AB70}" type="presOf" srcId="{F83BC854-8D10-4C62-921F-B3B84A333EE2}" destId="{76012C77-9113-4349-B5F9-449360655D80}" srcOrd="0" destOrd="0" presId="urn:microsoft.com/office/officeart/2005/8/layout/hierarchy5"/>
-    <dgm:cxn modelId="{ABAB8774-3A95-4E64-9C58-420E160D4C27}" srcId="{4AD80A78-FC2E-46CD-817A-7295DFA60604}" destId="{D0E03C20-89FB-42B7-BDC3-4BB487680967}" srcOrd="0" destOrd="0" parTransId="{8C091756-76E4-4AAE-8F5E-A0AFF954B80D}" sibTransId="{40494065-901B-4142-83D1-0FD972AEEDEF}"/>
-    <dgm:cxn modelId="{5946252C-033D-485B-8E79-99D4A35DF403}" type="presOf" srcId="{7082E130-EC41-4CA1-97A0-CC5E47A455EE}" destId="{9D54B091-3721-408B-8907-31301251CF4C}" srcOrd="0" destOrd="0" presId="urn:microsoft.com/office/officeart/2005/8/layout/hierarchy5"/>
-    <dgm:cxn modelId="{3197D268-D7DF-44DE-B82C-57B224711EFC}" type="presOf" srcId="{19112E49-894E-4609-A0CD-4542279820C7}" destId="{624C10E7-8703-4F4E-AD43-CB1E47D2853B}" srcOrd="0" destOrd="0" presId="urn:microsoft.com/office/officeart/2005/8/layout/hierarchy5"/>
-    <dgm:cxn modelId="{4934D662-171B-4D6C-B807-98955B684A51}" srcId="{19112E49-894E-4609-A0CD-4542279820C7}" destId="{CC33ECBD-B1AF-4223-BB72-7683657C5E5D}" srcOrd="1" destOrd="0" parTransId="{16DF3786-3768-4143-A37F-A363B8549C26}" sibTransId="{C90F3095-CB34-4AFE-800E-3C4906E650F5}"/>
-    <dgm:cxn modelId="{D28F3049-8D77-44AD-904E-D8CAD1208AD6}" type="presOf" srcId="{245171A7-E500-49B2-8799-0646DDA26A8E}" destId="{28E96CA5-BD5D-4837-A6CD-8EDEDFAF88D2}" srcOrd="0" destOrd="0" presId="urn:microsoft.com/office/officeart/2005/8/layout/hierarchy5"/>
-    <dgm:cxn modelId="{53252C11-257E-4F61-A47B-20B92FDE59CE}" type="presOf" srcId="{4AD80A78-FC2E-46CD-817A-7295DFA60604}" destId="{A483D88E-07D3-4013-B808-A02805EBB03B}" srcOrd="0" destOrd="0" presId="urn:microsoft.com/office/officeart/2005/8/layout/hierarchy5"/>
-    <dgm:cxn modelId="{C3A0C39A-A0DE-43C9-9F99-E8FEFD7A2B97}" type="presOf" srcId="{C8E10074-080A-4A35-B7C2-5509A3ABFD17}" destId="{2F3E8333-7ABF-43DB-8D72-857F8280C4BC}" srcOrd="1" destOrd="0" presId="urn:microsoft.com/office/officeart/2005/8/layout/hierarchy5"/>
-    <dgm:cxn modelId="{0665D325-E0E7-4C8B-914D-7E0C666416DE}" type="presOf" srcId="{B8EE3699-35E1-4AEE-BC7E-99967A3F09C3}" destId="{A88CDCD1-FA2A-41BD-A769-EB4393BC8FEF}" srcOrd="1" destOrd="0" presId="urn:microsoft.com/office/officeart/2005/8/layout/hierarchy5"/>
-    <dgm:cxn modelId="{383E2FB6-3EFD-418F-A264-D75008C48EE1}" srcId="{19112E49-894E-4609-A0CD-4542279820C7}" destId="{7082E130-EC41-4CA1-97A0-CC5E47A455EE}" srcOrd="0" destOrd="0" parTransId="{1AFFFA50-D422-4F1E-B873-7CC977908399}" sibTransId="{67A0AB4C-7F35-4555-B070-ABF4548A048A}"/>
-    <dgm:cxn modelId="{E2561F1F-E9A4-4680-933B-9CB1C8D9BDC0}" type="presOf" srcId="{D0E03C20-89FB-42B7-BDC3-4BB487680967}" destId="{BF6CFA09-48A2-41B3-8CCE-2F716EFE06B8}" srcOrd="0" destOrd="0" presId="urn:microsoft.com/office/officeart/2005/8/layout/hierarchy5"/>
-    <dgm:cxn modelId="{720B6FA4-E4CC-4A99-AC83-CECDB5BDB571}" type="presOf" srcId="{1B0ED283-0B55-4416-BFCA-18AA63B8C9C5}" destId="{72BADAC2-4B36-4F6A-A404-175AF7C7EA07}" srcOrd="1" destOrd="0" presId="urn:microsoft.com/office/officeart/2005/8/layout/hierarchy5"/>
-    <dgm:cxn modelId="{69B5791F-2713-4F77-9EEC-8615BBB42775}" type="presOf" srcId="{1AFFFA50-D422-4F1E-B873-7CC977908399}" destId="{C6D45DC1-C3D7-4CC2-8C2A-8B8038C28396}" srcOrd="1" destOrd="0" presId="urn:microsoft.com/office/officeart/2005/8/layout/hierarchy5"/>
-    <dgm:cxn modelId="{A0EFF4F0-0E54-4260-A609-82C2309E74BB}" srcId="{CDD7E70A-6DA7-407B-AA18-813C290D5809}" destId="{C319C72D-A04E-422F-9DD4-17AEB927DD34}" srcOrd="3" destOrd="0" parTransId="{070933B3-55B1-4B8E-940B-510716B5D616}" sibTransId="{FC244D4F-5F54-44EC-AA15-8C3D60E676CA}"/>
-    <dgm:cxn modelId="{23BC229C-1E38-462E-BEE2-B95C5A71DEA6}" srcId="{CDD7E70A-6DA7-407B-AA18-813C290D5809}" destId="{C8E10074-080A-4A35-B7C2-5509A3ABFD17}" srcOrd="1" destOrd="0" parTransId="{2454695E-F5CA-4C45-A35F-FFE0EF848827}" sibTransId="{4AE80A56-7B49-4711-8E5B-33BC30DD5E8A}"/>
-    <dgm:cxn modelId="{62FD2084-313E-48A9-BDAD-EDA74E992D0A}" type="presOf" srcId="{8C091756-76E4-4AAE-8F5E-A0AFF954B80D}" destId="{804ECCA8-8A45-4750-8640-7490833E2297}" srcOrd="0" destOrd="0" presId="urn:microsoft.com/office/officeart/2005/8/layout/hierarchy5"/>
-    <dgm:cxn modelId="{1202DB4F-7D6D-4E08-8067-81AB408579BA}" type="presOf" srcId="{CDD7E70A-6DA7-407B-AA18-813C290D5809}" destId="{7A3612AA-892F-427A-A882-F4AC7BB77627}" srcOrd="0" destOrd="0" presId="urn:microsoft.com/office/officeart/2005/8/layout/hierarchy5"/>
-    <dgm:cxn modelId="{797C75AB-84E7-4272-8F1F-CBD5ED3C3192}" type="presOf" srcId="{C319C72D-A04E-422F-9DD4-17AEB927DD34}" destId="{3E5B8CDF-02B1-40B9-889A-9D64385A0979}" srcOrd="1" destOrd="0" presId="urn:microsoft.com/office/officeart/2005/8/layout/hierarchy5"/>
-    <dgm:cxn modelId="{43AC91A8-6A79-4E87-ACB8-ECFCA90A5FC5}" srcId="{CDD7E70A-6DA7-407B-AA18-813C290D5809}" destId="{245171A7-E500-49B2-8799-0646DDA26A8E}" srcOrd="0" destOrd="0" parTransId="{880AF1DD-7B3B-4BD4-B5D2-BDD7BA52476C}" sibTransId="{6C9D58CC-97B8-42A0-9016-E7C3DD092F56}"/>
-    <dgm:cxn modelId="{2CC6B99A-7AE4-431A-9562-9F765615BDB1}" type="presOf" srcId="{C8E10074-080A-4A35-B7C2-5509A3ABFD17}" destId="{0BD275D0-7DD2-4EC4-8694-3041E16A335E}" srcOrd="0" destOrd="0" presId="urn:microsoft.com/office/officeart/2005/8/layout/hierarchy5"/>
-    <dgm:cxn modelId="{175F851B-3BFC-407C-ABEE-F9FB638F7FA1}" type="presOf" srcId="{8C091756-76E4-4AAE-8F5E-A0AFF954B80D}" destId="{0F7C9ACE-68E8-4E6C-A268-D0C84A9E969D}" srcOrd="1" destOrd="0" presId="urn:microsoft.com/office/officeart/2005/8/layout/hierarchy5"/>
-    <dgm:cxn modelId="{BD972EB9-DFF5-46AB-8FB8-D0DB65FC78C8}" type="presOf" srcId="{16DF3786-3768-4143-A37F-A363B8549C26}" destId="{919475EE-FC75-45CF-920B-1B6BC820AFB1}" srcOrd="1" destOrd="0" presId="urn:microsoft.com/office/officeart/2005/8/layout/hierarchy5"/>
-    <dgm:cxn modelId="{C13956E0-8F0C-4877-8823-A130A1D27FEF}" type="presOf" srcId="{C319C72D-A04E-422F-9DD4-17AEB927DD34}" destId="{6E87CF1C-47F4-499D-94CC-225909D1644C}" srcOrd="0" destOrd="0" presId="urn:microsoft.com/office/officeart/2005/8/layout/hierarchy5"/>
-    <dgm:cxn modelId="{D0ECF1F1-2784-4EE1-9B96-B8C9E49F66B7}" type="presOf" srcId="{CC33ECBD-B1AF-4223-BB72-7683657C5E5D}" destId="{401F70FB-9DF7-4DD9-B7BB-C5A3C97109F8}" srcOrd="0" destOrd="0" presId="urn:microsoft.com/office/officeart/2005/8/layout/hierarchy5"/>
     <dgm:cxn modelId="{E527D2C3-1EC8-45FC-A7BF-E5BB1F1429A8}" type="presOf" srcId="{F83BC854-8D10-4C62-921F-B3B84A333EE2}" destId="{B4A77E48-A54F-4AD8-B83C-CCD7FBBD08B4}" srcOrd="1" destOrd="0" presId="urn:microsoft.com/office/officeart/2005/8/layout/hierarchy5"/>
     <dgm:cxn modelId="{F49B74C9-EAB8-47C5-83EE-A8AA6C3B4350}" srcId="{245171A7-E500-49B2-8799-0646DDA26A8E}" destId="{4AD80A78-FC2E-46CD-817A-7295DFA60604}" srcOrd="1" destOrd="0" parTransId="{1B0ED283-0B55-4416-BFCA-18AA63B8C9C5}" sibTransId="{18F80A5A-EA5D-40C6-B91D-31BE1472B1F9}"/>
+    <dgm:cxn modelId="{C13956E0-8F0C-4877-8823-A130A1D27FEF}" type="presOf" srcId="{C319C72D-A04E-422F-9DD4-17AEB927DD34}" destId="{6E87CF1C-47F4-499D-94CC-225909D1644C}" srcOrd="0" destOrd="0" presId="urn:microsoft.com/office/officeart/2005/8/layout/hierarchy5"/>
+    <dgm:cxn modelId="{A0EFF4F0-0E54-4260-A609-82C2309E74BB}" srcId="{CDD7E70A-6DA7-407B-AA18-813C290D5809}" destId="{C319C72D-A04E-422F-9DD4-17AEB927DD34}" srcOrd="3" destOrd="0" parTransId="{070933B3-55B1-4B8E-940B-510716B5D616}" sibTransId="{FC244D4F-5F54-44EC-AA15-8C3D60E676CA}"/>
+    <dgm:cxn modelId="{D0ECF1F1-2784-4EE1-9B96-B8C9E49F66B7}" type="presOf" srcId="{CC33ECBD-B1AF-4223-BB72-7683657C5E5D}" destId="{401F70FB-9DF7-4DD9-B7BB-C5A3C97109F8}" srcOrd="0" destOrd="0" presId="urn:microsoft.com/office/officeart/2005/8/layout/hierarchy5"/>
+    <dgm:cxn modelId="{AB7FE6F8-B0EF-4FA1-88CC-27BB3943AB70}" type="presOf" srcId="{F83BC854-8D10-4C62-921F-B3B84A333EE2}" destId="{76012C77-9113-4349-B5F9-449360655D80}" srcOrd="0" destOrd="0" presId="urn:microsoft.com/office/officeart/2005/8/layout/hierarchy5"/>
     <dgm:cxn modelId="{67CA5876-5A27-4A36-BDA6-12580A268244}" type="presParOf" srcId="{7A3612AA-892F-427A-A882-F4AC7BB77627}" destId="{D9C9E363-6A95-4DF6-8D74-ACF519DF7C1B}" srcOrd="0" destOrd="0" presId="urn:microsoft.com/office/officeart/2005/8/layout/hierarchy5"/>
     <dgm:cxn modelId="{E8358293-4992-48F8-B531-1A851D591E21}" type="presParOf" srcId="{D9C9E363-6A95-4DF6-8D74-ACF519DF7C1B}" destId="{9AB6EFF5-FF9A-469B-AE10-08C8A0A63968}" srcOrd="0" destOrd="0" presId="urn:microsoft.com/office/officeart/2005/8/layout/hierarchy5"/>
     <dgm:cxn modelId="{040BCD79-F453-484C-9D8A-66E00043355E}" type="presParOf" srcId="{D9C9E363-6A95-4DF6-8D74-ACF519DF7C1B}" destId="{63FC4B0D-56A5-457C-A2E5-F55DF7DCE733}" srcOrd="1" destOrd="0" presId="urn:microsoft.com/office/officeart/2005/8/layout/hierarchy5"/>
@@ -7087,7 +7091,7 @@
           </a:pPr>
           <a:r>
             <a:rPr lang="en-US" sz="2000" kern="1200" dirty="0"/>
-            <a:t>SAS tokens are available to protect stored content</a:t>
+            <a:t>Key tokens are available to protect stored content</a:t>
           </a:r>
         </a:p>
       </dsp:txBody>
@@ -15618,7 +15622,7 @@
           <a:p>
             <a:fld id="{E04224DA-555F-4DE2-A5BB-7804DEC3AA45}" type="datetimeFigureOut">
               <a:rPr lang="en-US" smtClean="0"/>
-              <a:t>8/12/2016</a:t>
+              <a:t>11/1/2017</a:t>
             </a:fld>
             <a:endParaRPr lang="en-US"/>
           </a:p>
@@ -15713,7 +15717,6 @@
               <a:rPr lang="en-US"/>
               <a:t>Fifth level</a:t>
             </a:r>
-            <a:endParaRPr lang="en-US"/>
           </a:p>
         </p:txBody>
       </p:sp>
@@ -16055,12 +16058,6 @@
               </a:rPr>
               <a:t>20532C</a:t>
             </a:r>
-            <a:endParaRPr lang="en-US" sz="1200">
-              <a:solidFill>
-                <a:srgbClr val="000000"/>
-              </a:solidFill>
-              <a:latin typeface="Arial" panose="020B0604020202020204" pitchFamily="34" charset="0"/>
-            </a:endParaRPr>
           </a:p>
         </p:txBody>
       </p:sp>
@@ -16135,12 +16132,6 @@
               </a:rPr>
               <a:t>6: Storing Tabular Data in Azure</a:t>
             </a:r>
-            <a:endParaRPr lang="en-US" sz="1200">
-              <a:solidFill>
-                <a:srgbClr val="336699"/>
-              </a:solidFill>
-              <a:latin typeface="Arial" panose="020B0604020202020204" pitchFamily="34" charset="0"/>
-            </a:endParaRPr>
           </a:p>
         </p:txBody>
       </p:sp>
@@ -16326,12 +16317,6 @@
               </a:rPr>
               <a:t>20532C</a:t>
             </a:r>
-            <a:endParaRPr lang="en-US" sz="1200">
-              <a:solidFill>
-                <a:srgbClr val="000000"/>
-              </a:solidFill>
-              <a:latin typeface="Arial" panose="020B0604020202020204" pitchFamily="34" charset="0"/>
-            </a:endParaRPr>
           </a:p>
         </p:txBody>
       </p:sp>
@@ -16406,12 +16391,6 @@
               </a:rPr>
               <a:t>6: Storing Tabular Data in Azure</a:t>
             </a:r>
-            <a:endParaRPr lang="en-US" sz="1200">
-              <a:solidFill>
-                <a:srgbClr val="336699"/>
-              </a:solidFill>
-              <a:latin typeface="Arial" panose="020B0604020202020204" pitchFamily="34" charset="0"/>
-            </a:endParaRPr>
           </a:p>
         </p:txBody>
       </p:sp>
@@ -16615,12 +16594,6 @@
               </a:rPr>
               <a:t>20532C</a:t>
             </a:r>
-            <a:endParaRPr lang="en-US" sz="1200">
-              <a:solidFill>
-                <a:srgbClr val="000000"/>
-              </a:solidFill>
-              <a:latin typeface="Arial" panose="020B0604020202020204" pitchFamily="34" charset="0"/>
-            </a:endParaRPr>
           </a:p>
         </p:txBody>
       </p:sp>
@@ -16695,12 +16668,6 @@
               </a:rPr>
               <a:t>6: Storing Tabular Data in Azure</a:t>
             </a:r>
-            <a:endParaRPr lang="en-US" sz="1200">
-              <a:solidFill>
-                <a:srgbClr val="336699"/>
-              </a:solidFill>
-              <a:latin typeface="Arial" panose="020B0604020202020204" pitchFamily="34" charset="0"/>
-            </a:endParaRPr>
           </a:p>
         </p:txBody>
       </p:sp>
@@ -16886,12 +16853,6 @@
               </a:rPr>
               <a:t>20532C</a:t>
             </a:r>
-            <a:endParaRPr lang="en-US" sz="1200">
-              <a:solidFill>
-                <a:srgbClr val="000000"/>
-              </a:solidFill>
-              <a:latin typeface="Arial" panose="020B0604020202020204" pitchFamily="34" charset="0"/>
-            </a:endParaRPr>
           </a:p>
         </p:txBody>
       </p:sp>
@@ -16966,12 +16927,6 @@
               </a:rPr>
               <a:t>6: Storing Tabular Data in Azure</a:t>
             </a:r>
-            <a:endParaRPr lang="en-US" sz="1200">
-              <a:solidFill>
-                <a:srgbClr val="336699"/>
-              </a:solidFill>
-              <a:latin typeface="Arial" panose="020B0604020202020204" pitchFamily="34" charset="0"/>
-            </a:endParaRPr>
           </a:p>
         </p:txBody>
       </p:sp>
@@ -17017,8 +16972,8 @@
         </p:nvSpPr>
         <p:spPr>
           <a:xfrm>
-            <a:off x="4325112" y="73152"/>
-            <a:ext cx="2468880" cy="1851660"/>
+            <a:off x="4325938" y="73025"/>
+            <a:ext cx="2466975" cy="1851025"/>
           </a:xfrm>
         </p:spPr>
       </p:sp>
@@ -17175,12 +17130,6 @@
               </a:rPr>
               <a:t>20532C</a:t>
             </a:r>
-            <a:endParaRPr lang="en-US" sz="1200">
-              <a:solidFill>
-                <a:srgbClr val="000000"/>
-              </a:solidFill>
-              <a:latin typeface="Arial" panose="020B0604020202020204" pitchFamily="34" charset="0"/>
-            </a:endParaRPr>
           </a:p>
         </p:txBody>
       </p:sp>
@@ -17255,12 +17204,6 @@
               </a:rPr>
               <a:t>6: Storing Tabular Data in Azure</a:t>
             </a:r>
-            <a:endParaRPr lang="en-US" sz="1200">
-              <a:solidFill>
-                <a:srgbClr val="336699"/>
-              </a:solidFill>
-              <a:latin typeface="Arial" panose="020B0604020202020204" pitchFamily="34" charset="0"/>
-            </a:endParaRPr>
           </a:p>
         </p:txBody>
       </p:sp>
@@ -17446,12 +17389,6 @@
               </a:rPr>
               <a:t>20532C</a:t>
             </a:r>
-            <a:endParaRPr lang="en-US" sz="1200">
-              <a:solidFill>
-                <a:srgbClr val="000000"/>
-              </a:solidFill>
-              <a:latin typeface="Arial" panose="020B0604020202020204" pitchFamily="34" charset="0"/>
-            </a:endParaRPr>
           </a:p>
         </p:txBody>
       </p:sp>
@@ -17526,12 +17463,6 @@
               </a:rPr>
               <a:t>6: Storing Tabular Data in Azure</a:t>
             </a:r>
-            <a:endParaRPr lang="en-US" sz="1200">
-              <a:solidFill>
-                <a:srgbClr val="336699"/>
-              </a:solidFill>
-              <a:latin typeface="Arial" panose="020B0604020202020204" pitchFamily="34" charset="0"/>
-            </a:endParaRPr>
           </a:p>
         </p:txBody>
       </p:sp>
@@ -17740,12 +17671,6 @@
               </a:rPr>
               <a:t>20532C</a:t>
             </a:r>
-            <a:endParaRPr lang="en-US" sz="1200">
-              <a:solidFill>
-                <a:srgbClr val="000000"/>
-              </a:solidFill>
-              <a:latin typeface="Arial" panose="020B0604020202020204" pitchFamily="34" charset="0"/>
-            </a:endParaRPr>
           </a:p>
         </p:txBody>
       </p:sp>
@@ -17820,12 +17745,6 @@
               </a:rPr>
               <a:t>6: Storing Tabular Data in Azure</a:t>
             </a:r>
-            <a:endParaRPr lang="en-US" sz="1200">
-              <a:solidFill>
-                <a:srgbClr val="336699"/>
-              </a:solidFill>
-              <a:latin typeface="Arial" panose="020B0604020202020204" pitchFamily="34" charset="0"/>
-            </a:endParaRPr>
           </a:p>
         </p:txBody>
       </p:sp>
@@ -18011,12 +17930,6 @@
               </a:rPr>
               <a:t>20532C</a:t>
             </a:r>
-            <a:endParaRPr lang="en-US" sz="1200">
-              <a:solidFill>
-                <a:srgbClr val="000000"/>
-              </a:solidFill>
-              <a:latin typeface="Arial" panose="020B0604020202020204" pitchFamily="34" charset="0"/>
-            </a:endParaRPr>
           </a:p>
         </p:txBody>
       </p:sp>
@@ -18091,12 +18004,6 @@
               </a:rPr>
               <a:t>6: Storing Tabular Data in Azure</a:t>
             </a:r>
-            <a:endParaRPr lang="en-US" sz="1200">
-              <a:solidFill>
-                <a:srgbClr val="336699"/>
-              </a:solidFill>
-              <a:latin typeface="Arial" panose="020B0604020202020204" pitchFamily="34" charset="0"/>
-            </a:endParaRPr>
           </a:p>
         </p:txBody>
       </p:sp>
@@ -18282,12 +18189,6 @@
               </a:rPr>
               <a:t>20532C</a:t>
             </a:r>
-            <a:endParaRPr lang="en-US" sz="1200">
-              <a:solidFill>
-                <a:srgbClr val="000000"/>
-              </a:solidFill>
-              <a:latin typeface="Arial" panose="020B0604020202020204" pitchFamily="34" charset="0"/>
-            </a:endParaRPr>
           </a:p>
         </p:txBody>
       </p:sp>
@@ -18362,12 +18263,6 @@
               </a:rPr>
               <a:t>6: Storing Tabular Data in Azure</a:t>
             </a:r>
-            <a:endParaRPr lang="en-US" sz="1200">
-              <a:solidFill>
-                <a:srgbClr val="336699"/>
-              </a:solidFill>
-              <a:latin typeface="Arial" panose="020B0604020202020204" pitchFamily="34" charset="0"/>
-            </a:endParaRPr>
           </a:p>
         </p:txBody>
       </p:sp>
@@ -18553,12 +18448,6 @@
               </a:rPr>
               <a:t>20532C</a:t>
             </a:r>
-            <a:endParaRPr lang="en-US" sz="1200">
-              <a:solidFill>
-                <a:srgbClr val="000000"/>
-              </a:solidFill>
-              <a:latin typeface="Arial" panose="020B0604020202020204" pitchFamily="34" charset="0"/>
-            </a:endParaRPr>
           </a:p>
         </p:txBody>
       </p:sp>
@@ -18633,12 +18522,6 @@
               </a:rPr>
               <a:t>6: Storing Tabular Data in Azure</a:t>
             </a:r>
-            <a:endParaRPr lang="en-US" sz="1200">
-              <a:solidFill>
-                <a:srgbClr val="336699"/>
-              </a:solidFill>
-              <a:latin typeface="Arial" panose="020B0604020202020204" pitchFamily="34" charset="0"/>
-            </a:endParaRPr>
           </a:p>
         </p:txBody>
       </p:sp>
@@ -18874,12 +18757,6 @@
               </a:rPr>
               <a:t>20532C</a:t>
             </a:r>
-            <a:endParaRPr lang="en-US" sz="1200">
-              <a:solidFill>
-                <a:srgbClr val="000000"/>
-              </a:solidFill>
-              <a:latin typeface="Arial" panose="020B0604020202020204" pitchFamily="34" charset="0"/>
-            </a:endParaRPr>
           </a:p>
         </p:txBody>
       </p:sp>
@@ -18954,12 +18831,6 @@
               </a:rPr>
               <a:t>6: Storing Tabular Data in Azure</a:t>
             </a:r>
-            <a:endParaRPr lang="en-US" sz="1200">
-              <a:solidFill>
-                <a:srgbClr val="336699"/>
-              </a:solidFill>
-              <a:latin typeface="Arial" panose="020B0604020202020204" pitchFamily="34" charset="0"/>
-            </a:endParaRPr>
           </a:p>
         </p:txBody>
       </p:sp>
@@ -19145,12 +19016,6 @@
               </a:rPr>
               <a:t>20532C</a:t>
             </a:r>
-            <a:endParaRPr lang="en-US" sz="1200">
-              <a:solidFill>
-                <a:srgbClr val="000000"/>
-              </a:solidFill>
-              <a:latin typeface="Arial" panose="020B0604020202020204" pitchFamily="34" charset="0"/>
-            </a:endParaRPr>
           </a:p>
         </p:txBody>
       </p:sp>
@@ -19225,12 +19090,6 @@
               </a:rPr>
               <a:t>6: Storing Tabular Data in Azure</a:t>
             </a:r>
-            <a:endParaRPr lang="en-US" sz="1200">
-              <a:solidFill>
-                <a:srgbClr val="336699"/>
-              </a:solidFill>
-              <a:latin typeface="Arial" panose="020B0604020202020204" pitchFamily="34" charset="0"/>
-            </a:endParaRPr>
           </a:p>
         </p:txBody>
       </p:sp>
@@ -19416,12 +19275,6 @@
               </a:rPr>
               <a:t>20532C</a:t>
             </a:r>
-            <a:endParaRPr lang="en-US" sz="1200">
-              <a:solidFill>
-                <a:srgbClr val="000000"/>
-              </a:solidFill>
-              <a:latin typeface="Arial" panose="020B0604020202020204" pitchFamily="34" charset="0"/>
-            </a:endParaRPr>
           </a:p>
         </p:txBody>
       </p:sp>
@@ -19496,12 +19349,6 @@
               </a:rPr>
               <a:t>6: Storing Tabular Data in Azure</a:t>
             </a:r>
-            <a:endParaRPr lang="en-US" sz="1200">
-              <a:solidFill>
-                <a:srgbClr val="336699"/>
-              </a:solidFill>
-              <a:latin typeface="Arial" panose="020B0604020202020204" pitchFamily="34" charset="0"/>
-            </a:endParaRPr>
           </a:p>
         </p:txBody>
       </p:sp>
@@ -19672,12 +19519,6 @@
               </a:rPr>
               <a:t>20532C</a:t>
             </a:r>
-            <a:endParaRPr lang="en-US" sz="1200">
-              <a:solidFill>
-                <a:srgbClr val="000000"/>
-              </a:solidFill>
-              <a:latin typeface="Arial" panose="020B0604020202020204" pitchFamily="34" charset="0"/>
-            </a:endParaRPr>
           </a:p>
         </p:txBody>
       </p:sp>
@@ -19752,12 +19593,6 @@
               </a:rPr>
               <a:t>6: Storing Tabular Data in Azure</a:t>
             </a:r>
-            <a:endParaRPr lang="en-US" sz="1200">
-              <a:solidFill>
-                <a:srgbClr val="336699"/>
-              </a:solidFill>
-              <a:latin typeface="Arial" panose="020B0604020202020204" pitchFamily="34" charset="0"/>
-            </a:endParaRPr>
           </a:p>
         </p:txBody>
       </p:sp>
@@ -19930,12 +19765,6 @@
               </a:rPr>
               <a:t>20532C</a:t>
             </a:r>
-            <a:endParaRPr lang="en-US" sz="1200">
-              <a:solidFill>
-                <a:srgbClr val="000000"/>
-              </a:solidFill>
-              <a:latin typeface="Arial" panose="020B0604020202020204" pitchFamily="34" charset="0"/>
-            </a:endParaRPr>
           </a:p>
         </p:txBody>
       </p:sp>
@@ -20010,12 +19839,6 @@
               </a:rPr>
               <a:t>6: Storing Tabular Data in Azure</a:t>
             </a:r>
-            <a:endParaRPr lang="en-US" sz="1200">
-              <a:solidFill>
-                <a:srgbClr val="336699"/>
-              </a:solidFill>
-              <a:latin typeface="Arial" panose="020B0604020202020204" pitchFamily="34" charset="0"/>
-            </a:endParaRPr>
           </a:p>
         </p:txBody>
       </p:sp>
@@ -20314,12 +20137,6 @@
               </a:rPr>
               <a:t>20532C</a:t>
             </a:r>
-            <a:endParaRPr lang="en-US" sz="1200">
-              <a:solidFill>
-                <a:srgbClr val="000000"/>
-              </a:solidFill>
-              <a:latin typeface="Arial" panose="020B0604020202020204" pitchFamily="34" charset="0"/>
-            </a:endParaRPr>
           </a:p>
         </p:txBody>
       </p:sp>
@@ -20394,12 +20211,6 @@
               </a:rPr>
               <a:t>6: Storing Tabular Data in Azure</a:t>
             </a:r>
-            <a:endParaRPr lang="en-US" sz="1200">
-              <a:solidFill>
-                <a:srgbClr val="336699"/>
-              </a:solidFill>
-              <a:latin typeface="Arial" panose="020B0604020202020204" pitchFamily="34" charset="0"/>
-            </a:endParaRPr>
           </a:p>
         </p:txBody>
       </p:sp>
@@ -20585,12 +20396,6 @@
               </a:rPr>
               <a:t>20532C</a:t>
             </a:r>
-            <a:endParaRPr lang="en-US" sz="1200">
-              <a:solidFill>
-                <a:srgbClr val="000000"/>
-              </a:solidFill>
-              <a:latin typeface="Arial" panose="020B0604020202020204" pitchFamily="34" charset="0"/>
-            </a:endParaRPr>
           </a:p>
         </p:txBody>
       </p:sp>
@@ -20665,12 +20470,6 @@
               </a:rPr>
               <a:t>6: Storing Tabular Data in Azure</a:t>
             </a:r>
-            <a:endParaRPr lang="en-US" sz="1200">
-              <a:solidFill>
-                <a:srgbClr val="336699"/>
-              </a:solidFill>
-              <a:latin typeface="Arial" panose="020B0604020202020204" pitchFamily="34" charset="0"/>
-            </a:endParaRPr>
           </a:p>
         </p:txBody>
       </p:sp>
@@ -20752,7 +20551,7 @@
               </a:spcAft>
             </a:pPr>
             <a:r>
-              <a:rPr lang="en-US" sz="1000">
+              <a:rPr lang="en-US" sz="1000" dirty="0">
                 <a:latin typeface="Arial" panose="020B0604020202020204" pitchFamily="34" charset="0"/>
                 <a:ea typeface="Calibri" panose="020F0502020204030204" pitchFamily="34" charset="0"/>
                 <a:cs typeface="Times New Roman" panose="02020603050405020304" pitchFamily="18" charset="0"/>
@@ -20770,7 +20569,7 @@
               </a:spcAft>
             </a:pPr>
             <a:r>
-              <a:rPr lang="en-US" sz="1000">
+              <a:rPr lang="en-US" sz="1000" dirty="0">
                 <a:latin typeface="Arial" panose="020B0604020202020204" pitchFamily="34" charset="0"/>
                 <a:ea typeface="Calibri" panose="020F0502020204030204" pitchFamily="34" charset="0"/>
                 <a:cs typeface="Times New Roman" panose="02020603050405020304" pitchFamily="18" charset="0"/>
@@ -20874,12 +20673,6 @@
               </a:rPr>
               <a:t>20532C</a:t>
             </a:r>
-            <a:endParaRPr lang="en-US" sz="1200">
-              <a:solidFill>
-                <a:srgbClr val="000000"/>
-              </a:solidFill>
-              <a:latin typeface="Arial" panose="020B0604020202020204" pitchFamily="34" charset="0"/>
-            </a:endParaRPr>
           </a:p>
         </p:txBody>
       </p:sp>
@@ -20954,12 +20747,6 @@
               </a:rPr>
               <a:t>6: Storing Tabular Data in Azure</a:t>
             </a:r>
-            <a:endParaRPr lang="en-US" sz="1200">
-              <a:solidFill>
-                <a:srgbClr val="336699"/>
-              </a:solidFill>
-              <a:latin typeface="Arial" panose="020B0604020202020204" pitchFamily="34" charset="0"/>
-            </a:endParaRPr>
           </a:p>
         </p:txBody>
       </p:sp>
@@ -21005,8 +20792,8 @@
         </p:nvSpPr>
         <p:spPr>
           <a:xfrm>
-            <a:off x="4325112" y="73152"/>
-            <a:ext cx="2468880" cy="1851660"/>
+            <a:off x="4325938" y="73025"/>
+            <a:ext cx="2466975" cy="1851025"/>
           </a:xfrm>
         </p:spPr>
       </p:sp>
@@ -21145,12 +20932,6 @@
               </a:rPr>
               <a:t>20532C</a:t>
             </a:r>
-            <a:endParaRPr lang="en-US" sz="1200">
-              <a:solidFill>
-                <a:srgbClr val="000000"/>
-              </a:solidFill>
-              <a:latin typeface="Arial" panose="020B0604020202020204" pitchFamily="34" charset="0"/>
-            </a:endParaRPr>
           </a:p>
         </p:txBody>
       </p:sp>
@@ -21225,12 +21006,6 @@
               </a:rPr>
               <a:t>6: Storing Tabular Data in Azure</a:t>
             </a:r>
-            <a:endParaRPr lang="en-US" sz="1200">
-              <a:solidFill>
-                <a:srgbClr val="336699"/>
-              </a:solidFill>
-              <a:latin typeface="Arial" panose="020B0604020202020204" pitchFamily="34" charset="0"/>
-            </a:endParaRPr>
           </a:p>
         </p:txBody>
       </p:sp>
@@ -21276,8 +21051,8 @@
         </p:nvSpPr>
         <p:spPr>
           <a:xfrm>
-            <a:off x="4325112" y="73152"/>
-            <a:ext cx="2468880" cy="1851660"/>
+            <a:off x="4325938" y="73025"/>
+            <a:ext cx="2466975" cy="1851025"/>
           </a:xfrm>
         </p:spPr>
       </p:sp>
@@ -21312,7 +21087,7 @@
               </a:spcAft>
             </a:pPr>
             <a:r>
-              <a:rPr lang="en-US" sz="1000">
+              <a:rPr lang="en-US" sz="1000" dirty="0">
                 <a:effectLst/>
                 <a:latin typeface="Arial" panose="020B0604020202020204" pitchFamily="34" charset="0"/>
                 <a:ea typeface="Calibri" panose="020F0502020204030204" pitchFamily="34" charset="0"/>
@@ -21331,7 +21106,7 @@
               </a:spcAft>
             </a:pPr>
             <a:r>
-              <a:rPr lang="en-US" sz="1000">
+              <a:rPr lang="en-US" sz="1000" dirty="0">
                 <a:effectLst/>
                 <a:latin typeface="Arial" panose="020B0604020202020204" pitchFamily="34" charset="0"/>
                 <a:ea typeface="Calibri" panose="020F0502020204030204" pitchFamily="34" charset="0"/>
@@ -21350,7 +21125,7 @@
               </a:spcAft>
             </a:pPr>
             <a:r>
-              <a:rPr lang="en-US" sz="1000">
+              <a:rPr lang="en-US" sz="1000" dirty="0">
                 <a:effectLst/>
                 <a:latin typeface="Arial" panose="020B0604020202020204" pitchFamily="34" charset="0"/>
                 <a:ea typeface="Calibri" panose="020F0502020204030204" pitchFamily="34" charset="0"/>
@@ -21374,7 +21149,7 @@
               <a:buChar char=""/>
             </a:pPr>
             <a:r>
-              <a:rPr lang="en-US" sz="1000">
+              <a:rPr lang="en-US" sz="1000" dirty="0">
                 <a:latin typeface="Arial" panose="020B0604020202020204" pitchFamily="34" charset="0"/>
                 <a:ea typeface="Times New Roman" panose="02020603050405020304" pitchFamily="18" charset="0"/>
                 <a:cs typeface="Times New Roman" panose="02020603050405020304" pitchFamily="18" charset="0"/>
@@ -21397,7 +21172,7 @@
               <a:buChar char=""/>
             </a:pPr>
             <a:r>
-              <a:rPr lang="en-US" sz="1000">
+              <a:rPr lang="en-US" sz="1000" dirty="0">
                 <a:solidFill>
                   <a:srgbClr val="000000"/>
                 </a:solidFill>
@@ -21407,7 +21182,7 @@
               </a:rPr>
               <a:t>Case (different schemas in the same table) management storage</a:t>
             </a:r>
-            <a:endParaRPr lang="en-US" sz="1000">
+            <a:endParaRPr lang="en-US" sz="1000" dirty="0">
               <a:latin typeface="Arial" panose="020B0604020202020204" pitchFamily="34" charset="0"/>
               <a:ea typeface="Times New Roman" panose="02020603050405020304" pitchFamily="18" charset="0"/>
               <a:cs typeface="Times New Roman" panose="02020603050405020304" pitchFamily="18" charset="0"/>
@@ -21423,7 +21198,7 @@
               </a:spcAft>
             </a:pPr>
             <a:r>
-              <a:rPr lang="en-US" sz="1000">
+              <a:rPr lang="en-US" sz="1000" dirty="0">
                 <a:solidFill>
                   <a:srgbClr val="000000"/>
                 </a:solidFill>
@@ -21434,7 +21209,7 @@
               </a:rPr>
               <a:t>Blobs:</a:t>
             </a:r>
-            <a:endParaRPr lang="en-US" sz="1000">
+            <a:endParaRPr lang="en-US" sz="1000" dirty="0">
               <a:effectLst/>
               <a:latin typeface="Arial" panose="020B0604020202020204" pitchFamily="34" charset="0"/>
               <a:ea typeface="Calibri" panose="020F0502020204030204" pitchFamily="34" charset="0"/>
@@ -21456,7 +21231,7 @@
               <a:buChar char=""/>
             </a:pPr>
             <a:r>
-              <a:rPr lang="en-US" sz="1000">
+              <a:rPr lang="en-US" sz="1000" dirty="0">
                 <a:solidFill>
                   <a:srgbClr val="000000"/>
                 </a:solidFill>
@@ -21466,7 +21241,7 @@
               </a:rPr>
               <a:t>Storage of virtual hard disks for Azure virtual machines</a:t>
             </a:r>
-            <a:endParaRPr lang="en-US" sz="1000">
+            <a:endParaRPr lang="en-US" sz="1000" dirty="0">
               <a:latin typeface="Arial" panose="020B0604020202020204" pitchFamily="34" charset="0"/>
               <a:ea typeface="Times New Roman" panose="02020603050405020304" pitchFamily="18" charset="0"/>
               <a:cs typeface="Times New Roman" panose="02020603050405020304" pitchFamily="18" charset="0"/>
@@ -21487,7 +21262,7 @@
               <a:buChar char=""/>
             </a:pPr>
             <a:r>
-              <a:rPr lang="en-US" sz="1000">
+              <a:rPr lang="en-US" sz="1000" dirty="0">
                 <a:solidFill>
                   <a:srgbClr val="000000"/>
                 </a:solidFill>
@@ -21497,7 +21272,7 @@
               </a:rPr>
               <a:t>Storage of multimedia files for a web application</a:t>
             </a:r>
-            <a:endParaRPr lang="en-US" sz="1000">
+            <a:endParaRPr lang="en-US" sz="1000" dirty="0">
               <a:latin typeface="Arial" panose="020B0604020202020204" pitchFamily="34" charset="0"/>
               <a:ea typeface="Times New Roman" panose="02020603050405020304" pitchFamily="18" charset="0"/>
               <a:cs typeface="Times New Roman" panose="02020603050405020304" pitchFamily="18" charset="0"/>
@@ -21513,7 +21288,7 @@
               </a:spcAft>
             </a:pPr>
             <a:r>
-              <a:rPr lang="en-US" sz="1000">
+              <a:rPr lang="en-US" sz="1000" dirty="0">
                 <a:solidFill>
                   <a:srgbClr val="000000"/>
                 </a:solidFill>
@@ -21524,7 +21299,7 @@
               </a:rPr>
               <a:t>Queues:</a:t>
             </a:r>
-            <a:endParaRPr lang="en-US" sz="1000">
+            <a:endParaRPr lang="en-US" sz="1000" dirty="0">
               <a:effectLst/>
               <a:latin typeface="Arial" panose="020B0604020202020204" pitchFamily="34" charset="0"/>
               <a:ea typeface="Calibri" panose="020F0502020204030204" pitchFamily="34" charset="0"/>
@@ -21546,7 +21321,7 @@
               <a:buChar char=""/>
             </a:pPr>
             <a:r>
-              <a:rPr lang="en-US" sz="1000">
+              <a:rPr lang="en-US" sz="1000" dirty="0">
                 <a:solidFill>
                   <a:srgbClr val="000000"/>
                 </a:solidFill>
@@ -21556,7 +21331,7 @@
               </a:rPr>
               <a:t>Store and retrieve requests to a back-end service such as an image optimizer for a photo gallery application</a:t>
             </a:r>
-            <a:endParaRPr lang="en-US" sz="1000">
+            <a:endParaRPr lang="en-US" sz="1000" dirty="0">
               <a:latin typeface="Arial" panose="020B0604020202020204" pitchFamily="34" charset="0"/>
               <a:ea typeface="Times New Roman" panose="02020603050405020304" pitchFamily="18" charset="0"/>
               <a:cs typeface="Times New Roman" panose="02020603050405020304" pitchFamily="18" charset="0"/>
@@ -21658,12 +21433,6 @@
               </a:rPr>
               <a:t>20532C</a:t>
             </a:r>
-            <a:endParaRPr lang="en-US" sz="1200">
-              <a:solidFill>
-                <a:srgbClr val="000000"/>
-              </a:solidFill>
-              <a:latin typeface="Arial" panose="020B0604020202020204" pitchFamily="34" charset="0"/>
-            </a:endParaRPr>
           </a:p>
         </p:txBody>
       </p:sp>
@@ -21738,12 +21507,6 @@
               </a:rPr>
               <a:t>6: Storing Tabular Data in Azure</a:t>
             </a:r>
-            <a:endParaRPr lang="en-US" sz="1200">
-              <a:solidFill>
-                <a:srgbClr val="336699"/>
-              </a:solidFill>
-              <a:latin typeface="Arial" panose="020B0604020202020204" pitchFamily="34" charset="0"/>
-            </a:endParaRPr>
           </a:p>
         </p:txBody>
       </p:sp>
@@ -21789,8 +21552,8 @@
         </p:nvSpPr>
         <p:spPr>
           <a:xfrm>
-            <a:off x="4325112" y="73152"/>
-            <a:ext cx="2468880" cy="1851660"/>
+            <a:off x="4325938" y="73025"/>
+            <a:ext cx="2466975" cy="1851025"/>
           </a:xfrm>
         </p:spPr>
       </p:sp>
@@ -21929,12 +21692,6 @@
               </a:rPr>
               <a:t>20532C</a:t>
             </a:r>
-            <a:endParaRPr lang="en-US" sz="1200">
-              <a:solidFill>
-                <a:srgbClr val="000000"/>
-              </a:solidFill>
-              <a:latin typeface="Arial" panose="020B0604020202020204" pitchFamily="34" charset="0"/>
-            </a:endParaRPr>
           </a:p>
         </p:txBody>
       </p:sp>
@@ -22009,12 +21766,6 @@
               </a:rPr>
               <a:t>6: Storing Tabular Data in Azure</a:t>
             </a:r>
-            <a:endParaRPr lang="en-US" sz="1200">
-              <a:solidFill>
-                <a:srgbClr val="336699"/>
-              </a:solidFill>
-              <a:latin typeface="Arial" panose="020B0604020202020204" pitchFamily="34" charset="0"/>
-            </a:endParaRPr>
           </a:p>
         </p:txBody>
       </p:sp>
@@ -22060,8 +21811,8 @@
         </p:nvSpPr>
         <p:spPr>
           <a:xfrm>
-            <a:off x="4325112" y="73152"/>
-            <a:ext cx="2468880" cy="1851660"/>
+            <a:off x="4325938" y="73025"/>
+            <a:ext cx="2466975" cy="1851025"/>
           </a:xfrm>
         </p:spPr>
       </p:sp>
@@ -22200,12 +21951,6 @@
               </a:rPr>
               <a:t>20532C</a:t>
             </a:r>
-            <a:endParaRPr lang="en-US" sz="1200">
-              <a:solidFill>
-                <a:srgbClr val="000000"/>
-              </a:solidFill>
-              <a:latin typeface="Arial" panose="020B0604020202020204" pitchFamily="34" charset="0"/>
-            </a:endParaRPr>
           </a:p>
         </p:txBody>
       </p:sp>
@@ -22280,12 +22025,6 @@
               </a:rPr>
               <a:t>6: Storing Tabular Data in Azure</a:t>
             </a:r>
-            <a:endParaRPr lang="en-US" sz="1200">
-              <a:solidFill>
-                <a:srgbClr val="336699"/>
-              </a:solidFill>
-              <a:latin typeface="Arial" panose="020B0604020202020204" pitchFamily="34" charset="0"/>
-            </a:endParaRPr>
           </a:p>
         </p:txBody>
       </p:sp>
@@ -22497,12 +22236,6 @@
               </a:rPr>
               <a:t>20532C</a:t>
             </a:r>
-            <a:endParaRPr lang="en-US" sz="1200">
-              <a:solidFill>
-                <a:srgbClr val="000000"/>
-              </a:solidFill>
-              <a:latin typeface="Arial" panose="020B0604020202020204" pitchFamily="34" charset="0"/>
-            </a:endParaRPr>
           </a:p>
         </p:txBody>
       </p:sp>
@@ -22577,12 +22310,6 @@
               </a:rPr>
               <a:t>6: Storing Tabular Data in Azure</a:t>
             </a:r>
-            <a:endParaRPr lang="en-US" sz="1200">
-              <a:solidFill>
-                <a:srgbClr val="336699"/>
-              </a:solidFill>
-              <a:latin typeface="Arial" panose="020B0604020202020204" pitchFamily="34" charset="0"/>
-            </a:endParaRPr>
           </a:p>
         </p:txBody>
       </p:sp>
@@ -23029,7 +22756,6 @@
               <a:rPr lang="en-US"/>
               <a:t>Click to edit Master title style</a:t>
             </a:r>
-            <a:endParaRPr lang="en-US"/>
           </a:p>
         </p:txBody>
       </p:sp>
@@ -23081,7 +22807,6 @@
               <a:rPr lang="en-US"/>
               <a:t>Fifth level</a:t>
             </a:r>
-            <a:endParaRPr lang="en-US"/>
           </a:p>
         </p:txBody>
       </p:sp>
@@ -25202,7 +24927,6 @@
               <a:rPr lang="en-US"/>
               <a:t>Module 6</a:t>
             </a:r>
-            <a:endParaRPr lang="en-US"/>
           </a:p>
         </p:txBody>
       </p:sp>
@@ -25226,7 +24950,6 @@
               <a:t>Storing Tabular Data in Azure
 </a:t>
             </a:r>
-            <a:endParaRPr lang="en-US"/>
           </a:p>
         </p:txBody>
       </p:sp>
@@ -25279,7 +25002,6 @@
               <a:rPr lang="en-US"/>
               <a:t>Lesson 2: Azure Storage Tables Overview</a:t>
             </a:r>
-            <a:endParaRPr lang="en-US"/>
           </a:p>
         </p:txBody>
       </p:sp>
@@ -25304,7 +25026,6 @@
 NoSQL Data in Storage Tables
 Demonstration: Implementing Azure Storage Tables</a:t>
             </a:r>
-            <a:endParaRPr lang="en-US"/>
           </a:p>
         </p:txBody>
       </p:sp>
@@ -25357,7 +25078,6 @@
               <a:rPr lang="en-US"/>
               <a:t>Storage Tables</a:t>
             </a:r>
-            <a:endParaRPr lang="en-US"/>
           </a:p>
         </p:txBody>
       </p:sp>
@@ -26094,7 +25814,6 @@
               <a:rPr lang="en-US"/>
               <a:t>NoSQL Data in Storage Tables (cont.)</a:t>
             </a:r>
-            <a:endParaRPr lang="en-US"/>
           </a:p>
         </p:txBody>
       </p:sp>
@@ -26171,7 +25890,6 @@
               <a:rPr lang="en-US"/>
               <a:t>NoSQL Data in Storage Tables (cont.)</a:t>
             </a:r>
-            <a:endParaRPr lang="en-US"/>
           </a:p>
         </p:txBody>
       </p:sp>
@@ -26213,7 +25931,7 @@
 </file>
 
 <file path=ppt/slides/slide15.xml><?xml version="1.0" encoding="utf-8"?>
-<p:sld xmlns:a="http://schemas.openxmlformats.org/drawingml/2006/main" xmlns:r="http://schemas.openxmlformats.org/officeDocument/2006/relationships" xmlns:p="http://schemas.openxmlformats.org/presentationml/2006/main">
+<p:sld xmlns:a="http://schemas.openxmlformats.org/drawingml/2006/main" xmlns:r="http://schemas.openxmlformats.org/officeDocument/2006/relationships" xmlns:p="http://schemas.openxmlformats.org/presentationml/2006/main" show="0">
   <p:cSld name="4e491734-4199-4b26-99d0-076a3a81bb40">
     <p:spTree>
       <p:nvGrpSpPr>
@@ -26248,7 +25966,6 @@
               <a:rPr lang="en-US"/>
               <a:t>Demonstration: Implementing Azure Storage Tables</a:t>
             </a:r>
-            <a:endParaRPr lang="en-US"/>
           </a:p>
         </p:txBody>
       </p:sp>
@@ -26621,7 +26338,6 @@
               <a:t>Common Transactions
 OData Queries</a:t>
             </a:r>
-            <a:endParaRPr lang="en-US"/>
           </a:p>
         </p:txBody>
       </p:sp>
@@ -26674,7 +26390,6 @@
               <a:rPr lang="en-US"/>
               <a:t>Common Transactions</a:t>
             </a:r>
-            <a:endParaRPr lang="en-US"/>
           </a:p>
         </p:txBody>
       </p:sp>
@@ -27072,7 +26787,6 @@
               <a:rPr lang="en-US"/>
               <a:t>OData Queries</a:t>
             </a:r>
-            <a:endParaRPr lang="en-US"/>
           </a:p>
         </p:txBody>
       </p:sp>
@@ -27399,7 +27113,6 @@
               <a:rPr lang="en-US"/>
               <a:t>OData Queries (cont.)</a:t>
             </a:r>
-            <a:endParaRPr lang="en-US"/>
           </a:p>
         </p:txBody>
       </p:sp>
@@ -28140,7 +27853,6 @@
               <a:rPr lang="en-US"/>
               <a:t>Module Overview</a:t>
             </a:r>
-            <a:endParaRPr lang="en-US"/>
           </a:p>
         </p:txBody>
       </p:sp>
@@ -28165,7 +27877,6 @@
 Azure Storage Tables Overview
 Table Entity Transactions</a:t>
             </a:r>
-            <a:endParaRPr lang="en-US"/>
           </a:p>
         </p:txBody>
       </p:sp>
@@ -28183,7 +27894,7 @@
 </file>
 
 <file path=ppt/slides/slide20.xml><?xml version="1.0" encoding="utf-8"?>
-<p:sld xmlns:a="http://schemas.openxmlformats.org/drawingml/2006/main" xmlns:r="http://schemas.openxmlformats.org/officeDocument/2006/relationships" xmlns:p="http://schemas.openxmlformats.org/presentationml/2006/main">
+<p:sld xmlns:a="http://schemas.openxmlformats.org/drawingml/2006/main" xmlns:r="http://schemas.openxmlformats.org/officeDocument/2006/relationships" xmlns:p="http://schemas.openxmlformats.org/presentationml/2006/main" show="0">
   <p:cSld name="982d9a03-f7a2-4ebc-89aa-6259ab9a3abe">
     <p:spTree>
       <p:nvGrpSpPr>
@@ -28218,7 +27929,6 @@
               <a:rPr lang="en-US"/>
               <a:t>Lab: Storing Event Registration Data in Azure Storage Tables</a:t>
             </a:r>
-            <a:endParaRPr lang="en-US"/>
           </a:p>
         </p:txBody>
       </p:sp>
@@ -28269,9 +27979,6 @@
               </a:rPr>
               <a:t>Estimated Time: 45 minutes</a:t>
             </a:r>
-            <a:endParaRPr lang="en-US" sz="2800">
-              <a:latin typeface="Segoe UI" panose="020B0502040204020203" pitchFamily="34" charset="0"/>
-            </a:endParaRPr>
           </a:p>
         </p:txBody>
       </p:sp>
@@ -28289,7 +27996,7 @@
 </file>
 
 <file path=ppt/slides/slide21.xml><?xml version="1.0" encoding="utf-8"?>
-<p:sld xmlns:a="http://schemas.openxmlformats.org/drawingml/2006/main" xmlns:r="http://schemas.openxmlformats.org/officeDocument/2006/relationships" xmlns:p="http://schemas.openxmlformats.org/presentationml/2006/main">
+<p:sld xmlns:a="http://schemas.openxmlformats.org/drawingml/2006/main" xmlns:r="http://schemas.openxmlformats.org/officeDocument/2006/relationships" xmlns:p="http://schemas.openxmlformats.org/presentationml/2006/main" show="0">
   <p:cSld name="Lab Scenario1004098244">
     <p:spTree>
       <p:nvGrpSpPr>
@@ -28324,7 +28031,6 @@
               <a:rPr lang="en-US"/>
               <a:t>Lab Scenario</a:t>
             </a:r>
-            <a:endParaRPr lang="en-US"/>
           </a:p>
         </p:txBody>
       </p:sp>
@@ -28389,7 +28095,7 @@
 </file>
 
 <file path=ppt/slides/slide22.xml><?xml version="1.0" encoding="utf-8"?>
-<p:sld xmlns:a="http://schemas.openxmlformats.org/drawingml/2006/main" xmlns:r="http://schemas.openxmlformats.org/officeDocument/2006/relationships" xmlns:p="http://schemas.openxmlformats.org/presentationml/2006/main">
+<p:sld xmlns:a="http://schemas.openxmlformats.org/drawingml/2006/main" xmlns:r="http://schemas.openxmlformats.org/officeDocument/2006/relationships" xmlns:p="http://schemas.openxmlformats.org/presentationml/2006/main" show="0">
   <p:cSld name="e9efef46-f2bf-435f-a948-32d22aad8b2c">
     <p:spTree>
       <p:nvGrpSpPr>
@@ -28424,7 +28130,6 @@
               <a:rPr lang="en-US"/>
               <a:t>Lab Review</a:t>
             </a:r>
-            <a:endParaRPr lang="en-US"/>
           </a:p>
         </p:txBody>
       </p:sp>
@@ -28447,7 +28152,6 @@
               <a:rPr lang="en-US"/>
               <a:t>Since the Azure Storage SDK shares a CloudStorageAccount class that is used for all types of storage, what are some of the ways that you can refactor your application to take advantage of this?</a:t>
             </a:r>
-            <a:endParaRPr lang="en-US"/>
           </a:p>
         </p:txBody>
       </p:sp>
@@ -28465,7 +28169,7 @@
 </file>
 
 <file path=ppt/slides/slide23.xml><?xml version="1.0" encoding="utf-8"?>
-<p:sld xmlns:a="http://schemas.openxmlformats.org/drawingml/2006/main" xmlns:r="http://schemas.openxmlformats.org/officeDocument/2006/relationships" xmlns:p="http://schemas.openxmlformats.org/presentationml/2006/main">
+<p:sld xmlns:a="http://schemas.openxmlformats.org/drawingml/2006/main" xmlns:r="http://schemas.openxmlformats.org/officeDocument/2006/relationships" xmlns:p="http://schemas.openxmlformats.org/presentationml/2006/main" show="0">
   <p:cSld name="Module_Review">
     <p:spTree>
       <p:nvGrpSpPr>
@@ -28500,7 +28204,6 @@
               <a:rPr lang="en-US"/>
               <a:t>Module Review and Takeaways</a:t>
             </a:r>
-            <a:endParaRPr lang="en-US"/>
           </a:p>
         </p:txBody>
       </p:sp>
@@ -28524,7 +28227,6 @@
               <a:t>Review Question(s)
 Best Practice</a:t>
             </a:r>
-            <a:endParaRPr lang="en-US"/>
           </a:p>
         </p:txBody>
       </p:sp>
@@ -28577,7 +28279,6 @@
               <a:rPr lang="en-US"/>
               <a:t>Lesson 1: Azure Storage Overview</a:t>
             </a:r>
-            <a:endParaRPr lang="en-US"/>
           </a:p>
         </p:txBody>
       </p:sp>
@@ -28603,7 +28304,6 @@
 Geo-Replication in Azure Storage
 Accessing Storage Data</a:t>
             </a:r>
-            <a:endParaRPr lang="en-US"/>
           </a:p>
         </p:txBody>
       </p:sp>
@@ -28656,7 +28356,6 @@
               <a:rPr lang="en-US"/>
               <a:t>Azure Storage</a:t>
             </a:r>
-            <a:endParaRPr lang="en-US"/>
           </a:p>
         </p:txBody>
       </p:sp>
@@ -28994,7 +28693,6 @@
               <a:rPr lang="en-US"/>
               <a:t>Types of Storage</a:t>
             </a:r>
-            <a:endParaRPr lang="en-US"/>
           </a:p>
         </p:txBody>
       </p:sp>
@@ -29071,7 +28769,6 @@
               <a:rPr lang="en-US"/>
               <a:t>Types of Storage (cont.)</a:t>
             </a:r>
-            <a:endParaRPr lang="en-US"/>
           </a:p>
         </p:txBody>
       </p:sp>
@@ -29084,7 +28781,7 @@
           <p:nvPr>
             <p:extLst>
               <p:ext uri="{D42A27DB-BD31-4B8C-83A1-F6EECF244321}">
-                <p14:modId xmlns:p14="http://schemas.microsoft.com/office/powerpoint/2010/main" val="973146016"/>
+                <p14:modId xmlns:p14="http://schemas.microsoft.com/office/powerpoint/2010/main" val="3687489093"/>
               </p:ext>
             </p:extLst>
           </p:nvPr>
@@ -29148,7 +28845,6 @@
               <a:rPr lang="en-US"/>
               <a:t>Geo-Replication in Azure Storage</a:t>
             </a:r>
-            <a:endParaRPr lang="en-US"/>
           </a:p>
         </p:txBody>
       </p:sp>
@@ -29389,7 +29085,7 @@
           <a:p>
             <a:pPr lvl="0"/>
             <a:r>
-              <a:rPr lang="en-US" b="0" kern="0">
+              <a:rPr lang="en-US" b="0" kern="0" dirty="0">
                 <a:solidFill>
                   <a:srgbClr val="000000"/>
                 </a:solidFill>
@@ -29400,9 +29096,9 @@
           <a:p>
             <a:pPr lvl="1"/>
             <a:r>
-              <a:rPr lang="en-US" b="0" kern="0">
-                <a:solidFill>
-                  <a:srgbClr val="000000"/>
+              <a:rPr lang="en-US" b="0" kern="0" dirty="0">
+                <a:solidFill>
+                  <a:srgbClr val="FF0000"/>
                 </a:solidFill>
               </a:rPr>
               <a:t>Default option</a:t>
@@ -29411,7 +29107,7 @@
           <a:p>
             <a:pPr lvl="1"/>
             <a:r>
-              <a:rPr lang="en-US" b="0" kern="0">
+              <a:rPr lang="en-US" b="0" kern="0" dirty="0">
                 <a:solidFill>
                   <a:srgbClr val="000000"/>
                 </a:solidFill>
@@ -29422,7 +29118,7 @@
           <a:p>
             <a:pPr lvl="0"/>
             <a:r>
-              <a:rPr lang="en-US" b="0" kern="0">
+              <a:rPr lang="en-US" b="0" kern="0" dirty="0">
                 <a:solidFill>
                   <a:srgbClr val="000000"/>
                 </a:solidFill>
@@ -29433,7 +29129,7 @@
           <a:p>
             <a:pPr lvl="1"/>
             <a:r>
-              <a:rPr lang="en-US" b="0" kern="0">
+              <a:rPr lang="en-US" b="0" kern="0" dirty="0">
                 <a:solidFill>
                   <a:srgbClr val="000000"/>
                 </a:solidFill>
@@ -29444,7 +29140,7 @@
           <a:p>
             <a:pPr lvl="1"/>
             <a:r>
-              <a:rPr lang="en-US" b="0" kern="0">
+              <a:rPr lang="en-US" b="0" kern="0" dirty="0">
                 <a:solidFill>
                   <a:srgbClr val="000000"/>
                 </a:solidFill>
@@ -29511,7 +29207,6 @@
               <a:rPr lang="en-US"/>
               <a:t>Geo-Replication in Azure Storage (cont.)</a:t>
             </a:r>
-            <a:endParaRPr lang="en-US"/>
           </a:p>
         </p:txBody>
       </p:sp>
@@ -29752,7 +29447,7 @@
           <a:p>
             <a:pPr lvl="0"/>
             <a:r>
-              <a:rPr lang="en-US" b="0" kern="0">
+              <a:rPr lang="en-US" b="0" kern="0" dirty="0">
                 <a:solidFill>
                   <a:srgbClr val="000000"/>
                 </a:solidFill>
@@ -29763,7 +29458,7 @@
           <a:p>
             <a:pPr lvl="1"/>
             <a:r>
-              <a:rPr lang="en-US" b="0" kern="0">
+              <a:rPr lang="en-US" b="0" kern="0" dirty="0">
                 <a:solidFill>
                   <a:srgbClr val="000000"/>
                 </a:solidFill>
@@ -29774,7 +29469,7 @@
           <a:p>
             <a:pPr lvl="1"/>
             <a:r>
-              <a:rPr lang="en-US" b="0" kern="0">
+              <a:rPr lang="en-US" b="0" kern="0" dirty="0">
                 <a:solidFill>
                   <a:srgbClr val="000000"/>
                 </a:solidFill>
@@ -29785,18 +29480,34 @@
           <a:p>
             <a:pPr lvl="1"/>
             <a:r>
-              <a:rPr lang="en-US" b="0" kern="0">
+              <a:rPr lang="en-US" b="0" kern="0" dirty="0">
                 <a:solidFill>
                   <a:srgbClr val="000000"/>
                 </a:solidFill>
               </a:rPr>
-              <a:t>Data is “eventually consistent”</a:t>
+              <a:t>Data is “</a:t>
+            </a:r>
+            <a:r>
+              <a:rPr lang="en-US" b="0" kern="0" dirty="0">
+                <a:solidFill>
+                  <a:srgbClr val="FF0000"/>
+                </a:solidFill>
+              </a:rPr>
+              <a:t>eventually consistent</a:t>
+            </a:r>
+            <a:r>
+              <a:rPr lang="en-US" b="0" kern="0" dirty="0">
+                <a:solidFill>
+                  <a:srgbClr val="000000"/>
+                </a:solidFill>
+              </a:rPr>
+              <a:t>”</a:t>
             </a:r>
           </a:p>
           <a:p>
             <a:pPr lvl="0"/>
             <a:r>
-              <a:rPr lang="en-US" b="0" kern="0">
+              <a:rPr lang="en-US" b="0" kern="0" dirty="0">
                 <a:solidFill>
                   <a:srgbClr val="000000"/>
                 </a:solidFill>
@@ -29807,7 +29518,7 @@
           <a:p>
             <a:pPr lvl="1"/>
             <a:r>
-              <a:rPr lang="en-US" b="0" kern="0">
+              <a:rPr lang="en-US" b="0" kern="0" dirty="0">
                 <a:solidFill>
                   <a:srgbClr val="000000"/>
                 </a:solidFill>
@@ -29818,7 +29529,7 @@
           <a:p>
             <a:pPr lvl="1"/>
             <a:r>
-              <a:rPr lang="en-US" b="0" kern="0">
+              <a:rPr lang="en-US" b="0" kern="0" dirty="0">
                 <a:solidFill>
                   <a:srgbClr val="000000"/>
                 </a:solidFill>
@@ -29828,7 +29539,7 @@
           </a:p>
           <a:p>
             <a:pPr lvl="0"/>
-            <a:endParaRPr lang="en-US" b="0" kern="0">
+            <a:endParaRPr lang="en-US" b="0" kern="0" dirty="0">
               <a:solidFill>
                 <a:srgbClr val="000000"/>
               </a:solidFill>
@@ -29893,7 +29604,6 @@
               <a:rPr lang="en-US"/>
               <a:t>Accessing Storage Data</a:t>
             </a:r>
-            <a:endParaRPr lang="en-US"/>
           </a:p>
         </p:txBody>
       </p:sp>
